--- a/Brief_Intro_to_Tableau/A Brief Introduction to Tableau.pptx
+++ b/Brief_Intro_to_Tableau/A Brief Introduction to Tableau.pptx
@@ -6573,7 +6573,7 @@
         </p:nvSpPr>
         <p:spPr>
           <a:xfrm>
-            <a:off x="4390772" y="1588551"/>
+            <a:off x="4390772" y="665524"/>
             <a:ext cx="5487427" cy="1911610"/>
           </a:xfrm>
         </p:spPr>
@@ -6589,15 +6589,7 @@
             </a:r>
             <a:r>
               <a:rPr lang="en-US" dirty="0" smtClean="0"/>
-              <a:t>to </a:t>
-            </a:r>
-            <a:r>
-              <a:rPr lang="en-US" dirty="0" smtClean="0"/>
-              <a:t>Tableau</a:t>
-            </a:r>
-            <a:r>
-              <a:rPr lang="en-US" dirty="0" smtClean="0"/>
-              <a:t> </a:t>
+              <a:t>to</a:t>
             </a:r>
             <a:r>
               <a:rPr lang="en-US" dirty="0" smtClean="0"/>
@@ -6622,8 +6614,8 @@
         </p:nvSpPr>
         <p:spPr>
           <a:xfrm>
-            <a:off x="3654762" y="4563533"/>
-            <a:ext cx="6959449" cy="1752600"/>
+            <a:off x="3654762" y="5043381"/>
+            <a:ext cx="6959449" cy="1272752"/>
           </a:xfrm>
         </p:spPr>
         <p:txBody>
@@ -6634,13 +6626,67 @@
           <a:p>
             <a:r>
               <a:rPr lang="en-US" dirty="0" smtClean="0"/>
-              <a:t>Richard </a:t>
-            </a:r>
-            <a:r>
-              <a:rPr lang="en-US" dirty="0" smtClean="0"/>
-              <a:t>Johansen</a:t>
-            </a:r>
-            <a:endParaRPr lang="en-US" dirty="0" smtClean="0"/>
+              <a:t>Richard Johansen</a:t>
+            </a:r>
+          </a:p>
+        </p:txBody>
+      </p:sp>
+      <p:pic>
+        <p:nvPicPr>
+          <p:cNvPr id="4" name="Picture 3"/>
+          <p:cNvPicPr>
+            <a:picLocks noChangeAspect="1"/>
+          </p:cNvPicPr>
+          <p:nvPr/>
+        </p:nvPicPr>
+        <p:blipFill rotWithShape="1">
+          <a:blip r:embed="rId2"/>
+          <a:srcRect r="1098"/>
+          <a:stretch/>
+        </p:blipFill>
+        <p:spPr>
+          <a:xfrm>
+            <a:off x="5313017" y="2053085"/>
+            <a:ext cx="3642935" cy="2136371"/>
+          </a:xfrm>
+          <a:prstGeom prst="rect">
+            <a:avLst/>
+          </a:prstGeom>
+        </p:spPr>
+      </p:pic>
+      <p:sp>
+        <p:nvSpPr>
+          <p:cNvPr id="5" name="Rectangle 4"/>
+          <p:cNvSpPr/>
+          <p:nvPr/>
+        </p:nvSpPr>
+        <p:spPr>
+          <a:xfrm>
+            <a:off x="8859534" y="6655703"/>
+            <a:ext cx="3509354" cy="184666"/>
+          </a:xfrm>
+          <a:prstGeom prst="rect">
+            <a:avLst/>
+          </a:prstGeom>
+        </p:spPr>
+        <p:txBody>
+          <a:bodyPr wrap="square">
+            <a:spAutoFit/>
+          </a:bodyPr>
+          <a:lstStyle/>
+          <a:p>
+            <a:r>
+              <a:rPr lang="en-US" sz="600" dirty="0">
+                <a:solidFill>
+                  <a:schemeClr val="bg1">
+                    <a:lumMod val="75000"/>
+                  </a:schemeClr>
+                </a:solidFill>
+                <a:latin typeface="Times New Roman" panose="02020603050405020304" pitchFamily="18" charset="0"/>
+                <a:cs typeface="Times New Roman" panose="02020603050405020304" pitchFamily="18" charset="0"/>
+              </a:rPr>
+              <a:t>https://www.teleanalysis.com/wp-content/uploads/2017/08/Tableau-software-logo-e1502871850906.png</a:t>
+            </a:r>
           </a:p>
         </p:txBody>
       </p:sp>
@@ -6831,11 +6877,7 @@
           <a:p>
             <a:r>
               <a:rPr lang="en-US" dirty="0" smtClean="0"/>
-              <a:t>Want to continue learning </a:t>
-            </a:r>
-            <a:r>
-              <a:rPr lang="en-US" dirty="0" smtClean="0"/>
-              <a:t>Tableau?</a:t>
+              <a:t>Want to continue learning Tableau?</a:t>
             </a:r>
             <a:endParaRPr lang="en-US" dirty="0"/>
           </a:p>
@@ -6908,15 +6950,7 @@
             </a:r>
             <a:r>
               <a:rPr lang="it-IT" dirty="0" smtClean="0"/>
-              <a:t> </a:t>
-            </a:r>
-            <a:r>
-              <a:rPr lang="it-IT" dirty="0" smtClean="0"/>
-              <a:t>(Free Online </a:t>
-            </a:r>
-            <a:r>
-              <a:rPr lang="it-IT" dirty="0" smtClean="0"/>
-              <a:t>courses):</a:t>
+              <a:t> (Free Online courses):</a:t>
             </a:r>
           </a:p>
           <a:p>
@@ -7197,15 +7231,7 @@
                   <a:schemeClr val="tx1"/>
                 </a:solidFill>
               </a:rPr>
-              <a:t>Visit</a:t>
-            </a:r>
-            <a:r>
-              <a:rPr lang="en-US" sz="2800" b="1" dirty="0" smtClean="0">
-                <a:solidFill>
-                  <a:schemeClr val="tx1"/>
-                </a:solidFill>
-              </a:rPr>
-              <a:t>: </a:t>
+              <a:t>Visit: </a:t>
             </a:r>
             <a:r>
               <a:rPr lang="en-US" sz="2800" dirty="0" smtClean="0">
@@ -7388,7 +7414,6 @@
               <a:rPr lang="en-US" b="1" dirty="0" smtClean="0"/>
               <a:t>What is Tableau?</a:t>
             </a:r>
-            <a:endParaRPr lang="en-US" b="1" dirty="0" smtClean="0"/>
           </a:p>
           <a:p>
             <a:pPr marL="0" indent="0">
@@ -7417,7 +7442,6 @@
               <a:rPr lang="en-US" b="1" dirty="0" smtClean="0"/>
               <a:t>Visualizations</a:t>
             </a:r>
-            <a:endParaRPr lang="en-US" b="1" dirty="0" smtClean="0"/>
           </a:p>
           <a:p>
             <a:pPr marL="0" indent="0">
@@ -7428,11 +7452,7 @@
             </a:pPr>
             <a:r>
               <a:rPr lang="en-US" b="1" dirty="0" smtClean="0"/>
-              <a:t>Work in </a:t>
-            </a:r>
-            <a:r>
-              <a:rPr lang="en-US" b="1" dirty="0" smtClean="0"/>
-              <a:t>Tableau Desktop (Public)</a:t>
+              <a:t>Work in Tableau Desktop (Public)</a:t>
             </a:r>
             <a:endParaRPr lang="en-US" b="1" dirty="0"/>
           </a:p>
@@ -7503,11 +7523,7 @@
           <a:p>
             <a:r>
               <a:rPr lang="en-US" dirty="0" smtClean="0"/>
-              <a:t>What is </a:t>
-            </a:r>
-            <a:r>
-              <a:rPr lang="en-US" dirty="0" smtClean="0"/>
-              <a:t>Tableau?</a:t>
+              <a:t>What is Tableau?</a:t>
             </a:r>
             <a:endParaRPr lang="en-US" dirty="0"/>
           </a:p>
@@ -7526,7 +7542,7 @@
         <p:spPr>
           <a:xfrm>
             <a:off x="415600" y="1536633"/>
-            <a:ext cx="7729333" cy="4555200"/>
+            <a:ext cx="7729333" cy="1698273"/>
           </a:xfrm>
         </p:spPr>
         <p:txBody>
@@ -7537,8 +7553,9 @@
           <a:p>
             <a:r>
               <a:rPr lang="en-US" dirty="0" smtClean="0"/>
-              <a:t>R is a programming language specifically designed for statistical analysis and graphics</a:t>
-            </a:r>
+              <a:t>Tableau is a powerful business intelligence and data visualization software.</a:t>
+            </a:r>
+            <a:endParaRPr lang="en-US" dirty="0"/>
           </a:p>
           <a:p>
             <a:endParaRPr lang="en-US" dirty="0" smtClean="0"/>
@@ -7546,119 +7563,171 @@
           <a:p>
             <a:r>
               <a:rPr lang="en-US" dirty="0" smtClean="0"/>
-              <a:t>R is free &amp; open-source used in many academic and industry disciplines</a:t>
-            </a:r>
+              <a:t>“Beefed” up Microsoft Excel</a:t>
+            </a:r>
+            <a:endParaRPr lang="en-US" dirty="0" smtClean="0"/>
           </a:p>
           <a:p>
             <a:endParaRPr lang="en-US" dirty="0"/>
           </a:p>
           <a:p>
-            <a:r>
-              <a:rPr lang="en-US" dirty="0" smtClean="0"/>
-              <a:t>R Studio is the Interactive User Interface compatible with R</a:t>
-            </a:r>
-          </a:p>
-          <a:p>
+            <a:pPr marL="0" indent="0">
+              <a:buNone/>
+            </a:pPr>
             <a:endParaRPr lang="en-US" dirty="0"/>
           </a:p>
-          <a:p>
-            <a:r>
-              <a:rPr lang="en-US" dirty="0" smtClean="0"/>
-              <a:t>R and R Studio can be downloaded here: </a:t>
-            </a:r>
-          </a:p>
-          <a:p>
-            <a:pPr lvl="1"/>
-            <a:r>
-              <a:rPr lang="en-US" dirty="0" smtClean="0">
-                <a:hlinkClick r:id="rId2"/>
-              </a:rPr>
-              <a:t>http</a:t>
-            </a:r>
-            <a:r>
-              <a:rPr lang="en-US" dirty="0">
-                <a:hlinkClick r:id="rId2"/>
-              </a:rPr>
-              <a:t>://</a:t>
-            </a:r>
-            <a:r>
-              <a:rPr lang="en-US" dirty="0" smtClean="0">
-                <a:hlinkClick r:id="rId2"/>
-              </a:rPr>
-              <a:t>cran.r-project.org/</a:t>
-            </a:r>
-            <a:r>
-              <a:rPr lang="en-US" dirty="0" smtClean="0"/>
-              <a:t> </a:t>
-            </a:r>
-          </a:p>
-          <a:p>
-            <a:pPr lvl="1"/>
-            <a:r>
-              <a:rPr lang="en-US" dirty="0" smtClean="0">
-                <a:hlinkClick r:id="rId3"/>
-              </a:rPr>
-              <a:t>https</a:t>
-            </a:r>
-            <a:r>
-              <a:rPr lang="en-US" dirty="0">
-                <a:hlinkClick r:id="rId3"/>
-              </a:rPr>
-              <a:t>://www.rstudio.com/products/RStudio/#</a:t>
-            </a:r>
-            <a:r>
-              <a:rPr lang="en-US" dirty="0" smtClean="0">
-                <a:hlinkClick r:id="rId3"/>
-              </a:rPr>
-              <a:t>Desktop</a:t>
-            </a:r>
-            <a:r>
-              <a:rPr lang="en-US" dirty="0" smtClean="0"/>
-              <a:t> </a:t>
-            </a:r>
-            <a:endParaRPr lang="en-US" dirty="0"/>
-          </a:p>
-          <a:p>
-            <a:endParaRPr lang="en-US" dirty="0" smtClean="0"/>
-          </a:p>
-          <a:p>
-            <a:endParaRPr lang="en-US" dirty="0"/>
-          </a:p>
-          <a:p>
-            <a:endParaRPr lang="en-US" dirty="0"/>
-          </a:p>
-        </p:txBody>
-      </p:sp>
-      <p:pic>
-        <p:nvPicPr>
-          <p:cNvPr id="4" name="Picture 3"/>
-          <p:cNvPicPr>
-            <a:picLocks noChangeAspect="1"/>
-          </p:cNvPicPr>
+        </p:txBody>
+      </p:sp>
+      <p:sp>
+        <p:nvSpPr>
+          <p:cNvPr id="7" name="Rectangle 6"/>
+          <p:cNvSpPr/>
           <p:nvPr/>
-        </p:nvPicPr>
-        <p:blipFill>
-          <a:blip r:embed="rId4">
-            <a:extLst>
-              <a:ext uri="{28A0092B-C50C-407E-A947-70E740481C1C}">
-                <a14:useLocalDpi xmlns:a14="http://schemas.microsoft.com/office/drawing/2010/main" val="0"/>
-              </a:ext>
-            </a:extLst>
-          </a:blip>
-          <a:stretch>
-            <a:fillRect/>
-          </a:stretch>
-        </p:blipFill>
+        </p:nvSpPr>
         <p:spPr>
           <a:xfrm>
-            <a:off x="8144933" y="1356967"/>
-            <a:ext cx="3502087" cy="2713634"/>
+            <a:off x="415600" y="3414572"/>
+            <a:ext cx="9763571" cy="3108543"/>
           </a:xfrm>
           <a:prstGeom prst="rect">
             <a:avLst/>
           </a:prstGeom>
         </p:spPr>
-      </p:pic>
+        <p:txBody>
+          <a:bodyPr wrap="square" numCol="2">
+            <a:spAutoFit/>
+          </a:bodyPr>
+          <a:lstStyle/>
+          <a:p>
+            <a:r>
+              <a:rPr lang="en-US" sz="2800" dirty="0">
+                <a:solidFill>
+                  <a:srgbClr val="00B050"/>
+                </a:solidFill>
+              </a:rPr>
+              <a:t>Pros</a:t>
+            </a:r>
+            <a:r>
+              <a:rPr lang="en-US" sz="2800" dirty="0" smtClean="0"/>
+              <a:t>:</a:t>
+            </a:r>
+          </a:p>
+          <a:p>
+            <a:pPr marL="457200" indent="-457200">
+              <a:buFont typeface="Arial" panose="020B0604020202020204" pitchFamily="34" charset="0"/>
+              <a:buChar char="•"/>
+            </a:pPr>
+            <a:r>
+              <a:rPr lang="en-US" sz="2800" dirty="0" smtClean="0"/>
+              <a:t>Powerful &amp; Versatile</a:t>
+            </a:r>
+            <a:endParaRPr lang="en-US" sz="2800" dirty="0"/>
+          </a:p>
+          <a:p>
+            <a:pPr marL="457200" indent="-457200">
+              <a:buFont typeface="Arial" panose="020B0604020202020204" pitchFamily="34" charset="0"/>
+              <a:buChar char="•"/>
+            </a:pPr>
+            <a:r>
+              <a:rPr lang="en-US" sz="2800" dirty="0" smtClean="0"/>
+              <a:t>Extremely data-friendly</a:t>
+            </a:r>
+          </a:p>
+          <a:p>
+            <a:pPr marL="457200" indent="-457200">
+              <a:buFont typeface="Arial" panose="020B0604020202020204" pitchFamily="34" charset="0"/>
+              <a:buChar char="•"/>
+            </a:pPr>
+            <a:r>
+              <a:rPr lang="en-US" sz="2800" dirty="0" smtClean="0"/>
+              <a:t>User-friendly drag &amp; </a:t>
+            </a:r>
+            <a:r>
+              <a:rPr lang="en-US" sz="2800" dirty="0"/>
+              <a:t>c</a:t>
+            </a:r>
+            <a:r>
+              <a:rPr lang="en-US" sz="2800" dirty="0" smtClean="0"/>
+              <a:t>lick interface</a:t>
+            </a:r>
+          </a:p>
+          <a:p>
+            <a:pPr marL="457200" indent="-457200">
+              <a:buFont typeface="Arial" panose="020B0604020202020204" pitchFamily="34" charset="0"/>
+              <a:buChar char="•"/>
+            </a:pPr>
+            <a:r>
+              <a:rPr lang="en-US" sz="2800" dirty="0" smtClean="0"/>
+              <a:t>Excellent for data exploration and report generation</a:t>
+            </a:r>
+          </a:p>
+          <a:p>
+            <a:r>
+              <a:rPr lang="en-US" sz="2800" dirty="0" smtClean="0">
+                <a:solidFill>
+                  <a:srgbClr val="FF0000"/>
+                </a:solidFill>
+              </a:rPr>
+              <a:t>Cons</a:t>
+            </a:r>
+            <a:r>
+              <a:rPr lang="en-US" sz="2800" dirty="0" smtClean="0"/>
+              <a:t>: </a:t>
+            </a:r>
+          </a:p>
+          <a:p>
+            <a:pPr marL="457200" indent="-457200">
+              <a:buFont typeface="Arial" panose="020B0604020202020204" pitchFamily="34" charset="0"/>
+              <a:buChar char="•"/>
+            </a:pPr>
+            <a:r>
+              <a:rPr lang="en-US" sz="2800" dirty="0" smtClean="0"/>
+              <a:t>Expensive</a:t>
+            </a:r>
+          </a:p>
+          <a:p>
+            <a:pPr marL="457200" indent="-457200">
+              <a:buFont typeface="Arial" panose="020B0604020202020204" pitchFamily="34" charset="0"/>
+              <a:buChar char="•"/>
+            </a:pPr>
+            <a:r>
+              <a:rPr lang="en-US" sz="2800" dirty="0" smtClean="0"/>
+              <a:t>Moderate learning curve</a:t>
+            </a:r>
+          </a:p>
+          <a:p>
+            <a:pPr marL="457200" indent="-457200">
+              <a:buFont typeface="Arial" panose="020B0604020202020204" pitchFamily="34" charset="0"/>
+              <a:buChar char="•"/>
+            </a:pPr>
+            <a:r>
+              <a:rPr lang="en-US" sz="2800" dirty="0" smtClean="0"/>
+              <a:t>Speed (large data sets)</a:t>
+            </a:r>
+          </a:p>
+          <a:p>
+            <a:pPr marL="457200" indent="-457200">
+              <a:buFont typeface="Arial" panose="020B0604020202020204" pitchFamily="34" charset="0"/>
+              <a:buChar char="•"/>
+            </a:pPr>
+            <a:r>
+              <a:rPr lang="en-US" sz="2800" dirty="0" smtClean="0"/>
+              <a:t>Data Security (public version)</a:t>
+            </a:r>
+          </a:p>
+          <a:p>
+            <a:pPr marL="457200" indent="-457200">
+              <a:buFont typeface="Arial" panose="020B0604020202020204" pitchFamily="34" charset="0"/>
+              <a:buChar char="•"/>
+            </a:pPr>
+            <a:r>
+              <a:rPr lang="en-US" sz="2800" dirty="0" smtClean="0"/>
+              <a:t>Limited Reproducibility</a:t>
+            </a:r>
+            <a:endParaRPr lang="en-US" sz="2800" dirty="0"/>
+          </a:p>
+        </p:txBody>
+      </p:sp>
     </p:spTree>
     <p:extLst>
       <p:ext uri="{BB962C8B-B14F-4D97-AF65-F5344CB8AC3E}">
@@ -7708,11 +7777,7 @@
           <a:p>
             <a:r>
               <a:rPr lang="en-US" dirty="0" smtClean="0"/>
-              <a:t>Why </a:t>
-            </a:r>
-            <a:r>
-              <a:rPr lang="en-US" dirty="0" smtClean="0"/>
-              <a:t>Use Tableau?</a:t>
+              <a:t>Why Use Tableau?</a:t>
             </a:r>
             <a:endParaRPr lang="en-US" dirty="0"/>
           </a:p>

--- a/Brief_Intro_to_Tableau/A Brief Introduction to Tableau.pptx
+++ b/Brief_Intro_to_Tableau/A Brief Introduction to Tableau.pptx
@@ -6,21 +6,20 @@
     <p:sldMasterId id="2147483692" r:id="rId2"/>
   </p:sldMasterIdLst>
   <p:notesMasterIdLst>
-    <p:notesMasterId r:id="rId15"/>
+    <p:notesMasterId r:id="rId14"/>
   </p:notesMasterIdLst>
   <p:sldIdLst>
     <p:sldId id="283" r:id="rId3"/>
     <p:sldId id="289" r:id="rId4"/>
     <p:sldId id="360" r:id="rId5"/>
-    <p:sldId id="355" r:id="rId6"/>
-    <p:sldId id="329" r:id="rId7"/>
-    <p:sldId id="331" r:id="rId8"/>
-    <p:sldId id="332" r:id="rId9"/>
-    <p:sldId id="337" r:id="rId10"/>
-    <p:sldId id="340" r:id="rId11"/>
-    <p:sldId id="339" r:id="rId12"/>
-    <p:sldId id="359" r:id="rId13"/>
-    <p:sldId id="358" r:id="rId14"/>
+    <p:sldId id="329" r:id="rId6"/>
+    <p:sldId id="331" r:id="rId7"/>
+    <p:sldId id="332" r:id="rId8"/>
+    <p:sldId id="337" r:id="rId9"/>
+    <p:sldId id="340" r:id="rId10"/>
+    <p:sldId id="339" r:id="rId11"/>
+    <p:sldId id="359" r:id="rId12"/>
+    <p:sldId id="358" r:id="rId13"/>
   </p:sldIdLst>
   <p:sldSz cx="12192000" cy="6858000"/>
   <p:notesSz cx="6858000" cy="9144000"/>
@@ -6585,15 +6584,7 @@
           <a:p>
             <a:r>
               <a:rPr lang="en-US" dirty="0" smtClean="0"/>
-              <a:t>A Brief Introduction </a:t>
-            </a:r>
-            <a:r>
-              <a:rPr lang="en-US" dirty="0" smtClean="0"/>
-              <a:t>to</a:t>
-            </a:r>
-            <a:r>
-              <a:rPr lang="en-US" dirty="0" smtClean="0"/>
-              <a:t/>
+              <a:t>A Brief Introduction to</a:t>
             </a:r>
             <a:br>
               <a:rPr lang="en-US" dirty="0" smtClean="0"/>
@@ -6737,12 +6728,7 @@
             <p:ph type="title"/>
           </p:nvPr>
         </p:nvSpPr>
-        <p:spPr>
-          <a:xfrm>
-            <a:off x="415600" y="1"/>
-            <a:ext cx="11360800" cy="785004"/>
-          </a:xfrm>
-        </p:spPr>
+        <p:spPr/>
         <p:txBody>
           <a:bodyPr>
             <a:normAutofit fontScale="90000"/>
@@ -6751,132 +6737,6 @@
           <a:p>
             <a:r>
               <a:rPr lang="en-US" dirty="0" smtClean="0"/>
-              <a:t>Four Basic Chart Types</a:t>
-            </a:r>
-            <a:endParaRPr lang="en-US" dirty="0"/>
-          </a:p>
-        </p:txBody>
-      </p:sp>
-      <p:pic>
-        <p:nvPicPr>
-          <p:cNvPr id="7" name="Content Placeholder 3"/>
-          <p:cNvPicPr>
-            <a:picLocks noChangeAspect="1"/>
-          </p:cNvPicPr>
-          <p:nvPr/>
-        </p:nvPicPr>
-        <p:blipFill rotWithShape="1">
-          <a:blip r:embed="rId2"/>
-          <a:srcRect l="6594" t="8507" b="3751"/>
-          <a:stretch/>
-        </p:blipFill>
-        <p:spPr>
-          <a:xfrm>
-            <a:off x="1872572" y="716452"/>
-            <a:ext cx="8446855" cy="6141548"/>
-          </a:xfrm>
-          <a:prstGeom prst="rect">
-            <a:avLst/>
-          </a:prstGeom>
-        </p:spPr>
-      </p:pic>
-      <p:sp>
-        <p:nvSpPr>
-          <p:cNvPr id="8" name="Rectangle 7"/>
-          <p:cNvSpPr/>
-          <p:nvPr/>
-        </p:nvSpPr>
-        <p:spPr>
-          <a:xfrm>
-            <a:off x="1837425" y="6611779"/>
-            <a:ext cx="4258574" cy="246221"/>
-          </a:xfrm>
-          <a:prstGeom prst="rect">
-            <a:avLst/>
-          </a:prstGeom>
-        </p:spPr>
-        <p:txBody>
-          <a:bodyPr wrap="square">
-            <a:spAutoFit/>
-          </a:bodyPr>
-          <a:lstStyle/>
-          <a:p>
-            <a:r>
-              <a:rPr lang="en-US" sz="1000" dirty="0">
-                <a:hlinkClick r:id="rId3"/>
-              </a:rPr>
-              <a:t>http://</a:t>
-            </a:r>
-            <a:r>
-              <a:rPr lang="en-US" sz="1000" dirty="0" smtClean="0">
-                <a:hlinkClick r:id="rId3"/>
-              </a:rPr>
-              <a:t>extremepresentation.typepad.com/files/choosing-a-good-chart-09.pdf</a:t>
-            </a:r>
-            <a:r>
-              <a:rPr lang="en-US" sz="1000" dirty="0" smtClean="0"/>
-              <a:t> </a:t>
-            </a:r>
-            <a:endParaRPr lang="en-US" sz="1000" dirty="0"/>
-          </a:p>
-        </p:txBody>
-      </p:sp>
-    </p:spTree>
-    <p:extLst>
-      <p:ext uri="{BB962C8B-B14F-4D97-AF65-F5344CB8AC3E}">
-        <p14:creationId xmlns:p14="http://schemas.microsoft.com/office/powerpoint/2010/main" val="1850332024"/>
-      </p:ext>
-    </p:extLst>
-  </p:cSld>
-  <p:clrMapOvr>
-    <a:masterClrMapping/>
-  </p:clrMapOvr>
-  <p:timing>
-    <p:tnLst>
-      <p:par>
-        <p:cTn id="1" dur="indefinite" restart="never" nodeType="tmRoot"/>
-      </p:par>
-    </p:tnLst>
-  </p:timing>
-</p:sld>
-</file>
-
-<file path=ppt/slides/slide11.xml><?xml version="1.0" encoding="utf-8"?>
-<p:sld xmlns:a="http://schemas.openxmlformats.org/drawingml/2006/main" xmlns:r="http://schemas.openxmlformats.org/officeDocument/2006/relationships" xmlns:p="http://schemas.openxmlformats.org/presentationml/2006/main">
-  <p:cSld>
-    <p:spTree>
-      <p:nvGrpSpPr>
-        <p:cNvPr id="1" name=""/>
-        <p:cNvGrpSpPr/>
-        <p:nvPr/>
-      </p:nvGrpSpPr>
-      <p:grpSpPr>
-        <a:xfrm>
-          <a:off x="0" y="0"/>
-          <a:ext cx="0" cy="0"/>
-          <a:chOff x="0" y="0"/>
-          <a:chExt cx="0" cy="0"/>
-        </a:xfrm>
-      </p:grpSpPr>
-      <p:sp>
-        <p:nvSpPr>
-          <p:cNvPr id="2" name="Title 1"/>
-          <p:cNvSpPr>
-            <a:spLocks noGrp="1"/>
-          </p:cNvSpPr>
-          <p:nvPr>
-            <p:ph type="title"/>
-          </p:nvPr>
-        </p:nvSpPr>
-        <p:spPr/>
-        <p:txBody>
-          <a:bodyPr>
-            <a:normAutofit fontScale="90000"/>
-          </a:bodyPr>
-          <a:lstStyle/>
-          <a:p>
-            <a:r>
-              <a:rPr lang="en-US" dirty="0" smtClean="0"/>
               <a:t>Want to continue learning Tableau?</a:t>
             </a:r>
             <a:endParaRPr lang="en-US" dirty="0"/>
@@ -6904,75 +6764,46 @@
               <a:buNone/>
             </a:pPr>
             <a:r>
-              <a:rPr lang="en-US" b="1" dirty="0" smtClean="0"/>
-              <a:t>Academic Courses: </a:t>
-            </a:r>
+              <a:rPr lang="it-IT" b="1" dirty="0" smtClean="0"/>
+              <a:t>Lynda.com:</a:t>
+            </a:r>
+            <a:r>
+              <a:rPr lang="it-IT" dirty="0" smtClean="0"/>
+              <a:t> (Free from</a:t>
+            </a:r>
+            <a:r>
+              <a:rPr lang="it-IT" dirty="0" smtClean="0"/>
+              <a:t> </a:t>
+            </a:r>
+            <a:r>
+              <a:rPr lang="it-IT" dirty="0" smtClean="0"/>
+              <a:t>UC):</a:t>
+            </a:r>
+            <a:endParaRPr lang="it-IT" dirty="0" smtClean="0"/>
           </a:p>
           <a:p>
             <a:pPr lvl="1"/>
             <a:r>
-              <a:rPr lang="en-US" dirty="0" smtClean="0"/>
-              <a:t>CS 2005C – Introduction to Programming for Informatics with Python and R</a:t>
-            </a:r>
+              <a:rPr lang="it-IT" dirty="0" smtClean="0"/>
+              <a:t>Tableau Essential Training</a:t>
+            </a:r>
+            <a:endParaRPr lang="it-IT" dirty="0" smtClean="0"/>
           </a:p>
           <a:p>
             <a:pPr lvl="1"/>
             <a:r>
-              <a:rPr lang="en-US" dirty="0" smtClean="0"/>
-              <a:t>BE 8083 – Data Analysis with R and SAS</a:t>
-            </a:r>
+              <a:rPr lang="it-IT" dirty="0" smtClean="0"/>
+              <a:t>Tableau 10 for Data Scientist </a:t>
+            </a:r>
+            <a:endParaRPr lang="it-IT" dirty="0" smtClean="0"/>
           </a:p>
           <a:p>
             <a:pPr lvl="1"/>
             <a:r>
-              <a:rPr lang="it-IT" dirty="0"/>
-              <a:t>BANA 5143 </a:t>
-            </a:r>
-            <a:r>
               <a:rPr lang="it-IT" dirty="0" smtClean="0"/>
-              <a:t>– Statistical Computing</a:t>
-            </a:r>
-          </a:p>
-          <a:p>
-            <a:pPr lvl="1"/>
-            <a:r>
-              <a:rPr lang="it-IT" dirty="0" smtClean="0"/>
-              <a:t>PH 7011 – Statistical Computation and Software</a:t>
-            </a:r>
-          </a:p>
-          <a:p>
-            <a:pPr marL="0" indent="0">
-              <a:buNone/>
-            </a:pPr>
-            <a:r>
-              <a:rPr lang="it-IT" b="1" dirty="0" smtClean="0"/>
-              <a:t>Lynda</a:t>
-            </a:r>
-            <a:r>
-              <a:rPr lang="it-IT" dirty="0" smtClean="0"/>
-              <a:t> (Free Online courses):</a:t>
-            </a:r>
-          </a:p>
-          <a:p>
-            <a:pPr lvl="1"/>
-            <a:r>
-              <a:rPr lang="it-IT" dirty="0" smtClean="0"/>
-              <a:t>Learning R</a:t>
-            </a:r>
-          </a:p>
-          <a:p>
-            <a:pPr lvl="1"/>
-            <a:r>
-              <a:rPr lang="it-IT" dirty="0" smtClean="0"/>
-              <a:t>Data Wrangling with R</a:t>
-            </a:r>
-          </a:p>
-          <a:p>
-            <a:pPr lvl="1"/>
-            <a:r>
-              <a:rPr lang="it-IT" dirty="0" smtClean="0"/>
-              <a:t>R Statistics Essential Training</a:t>
-            </a:r>
+              <a:t>Creating Interactive Dashboards in Tableau 10</a:t>
+            </a:r>
+            <a:endParaRPr lang="it-IT" dirty="0" smtClean="0"/>
           </a:p>
           <a:p>
             <a:pPr marL="0" indent="0">
@@ -7001,7 +6832,55 @@
               <a:rPr lang="it-IT" dirty="0" smtClean="0"/>
               <a:t> </a:t>
             </a:r>
-            <a:endParaRPr lang="en-US" dirty="0"/>
+            <a:endParaRPr lang="it-IT" dirty="0" smtClean="0"/>
+          </a:p>
+          <a:p>
+            <a:pPr lvl="1"/>
+            <a:endParaRPr lang="it-IT" dirty="0"/>
+          </a:p>
+          <a:p>
+            <a:pPr marL="0" indent="0">
+              <a:buNone/>
+            </a:pPr>
+            <a:r>
+              <a:rPr lang="it-IT" b="1" dirty="0" smtClean="0"/>
+              <a:t>And of course....Google</a:t>
+            </a:r>
+            <a:r>
+              <a:rPr lang="it-IT" dirty="0" smtClean="0"/>
+              <a:t>/</a:t>
+            </a:r>
+            <a:r>
+              <a:rPr lang="it-IT" b="1" dirty="0" smtClean="0"/>
+              <a:t>YouTube</a:t>
+            </a:r>
+          </a:p>
+          <a:p>
+            <a:pPr marL="0" indent="0">
+              <a:buNone/>
+            </a:pPr>
+            <a:endParaRPr lang="it-IT" b="1" dirty="0"/>
+          </a:p>
+          <a:p>
+            <a:pPr marL="0" indent="0">
+              <a:buNone/>
+            </a:pPr>
+            <a:r>
+              <a:rPr lang="it-IT" b="1" dirty="0" smtClean="0"/>
+              <a:t>UC Courses: </a:t>
+            </a:r>
+          </a:p>
+          <a:p>
+            <a:r>
+              <a:rPr lang="it-IT" dirty="0" smtClean="0"/>
+              <a:t>Data Analytics</a:t>
+            </a:r>
+          </a:p>
+          <a:p>
+            <a:r>
+              <a:rPr lang="it-IT" dirty="0" smtClean="0"/>
+              <a:t>Data Visualization</a:t>
+            </a:r>
           </a:p>
         </p:txBody>
       </p:sp>
@@ -7018,7 +6897,7 @@
 </p:sld>
 </file>
 
-<file path=ppt/slides/slide12.xml><?xml version="1.0" encoding="utf-8"?>
+<file path=ppt/slides/slide11.xml><?xml version="1.0" encoding="utf-8"?>
 <p:sld xmlns:a="http://schemas.openxmlformats.org/drawingml/2006/main" xmlns:r="http://schemas.openxmlformats.org/officeDocument/2006/relationships" xmlns:p="http://schemas.openxmlformats.org/presentationml/2006/main">
   <p:cSld>
     <p:spTree>
@@ -7565,7 +7444,6 @@
               <a:rPr lang="en-US" dirty="0" smtClean="0"/>
               <a:t>“Beefed” up Microsoft Excel</a:t>
             </a:r>
-            <a:endParaRPr lang="en-US" dirty="0" smtClean="0"/>
           </a:p>
           <a:p>
             <a:endParaRPr lang="en-US" dirty="0"/>
@@ -7777,249 +7655,6 @@
           <a:p>
             <a:r>
               <a:rPr lang="en-US" dirty="0" smtClean="0"/>
-              <a:t>Why Use Tableau?</a:t>
-            </a:r>
-            <a:endParaRPr lang="en-US" dirty="0"/>
-          </a:p>
-        </p:txBody>
-      </p:sp>
-      <p:sp>
-        <p:nvSpPr>
-          <p:cNvPr id="3" name="Text Placeholder 2"/>
-          <p:cNvSpPr>
-            <a:spLocks noGrp="1"/>
-          </p:cNvSpPr>
-          <p:nvPr>
-            <p:ph type="body" idx="1"/>
-          </p:nvPr>
-        </p:nvSpPr>
-        <p:spPr>
-          <a:xfrm>
-            <a:off x="415600" y="1536633"/>
-            <a:ext cx="11360800" cy="5217850"/>
-          </a:xfrm>
-        </p:spPr>
-        <p:txBody>
-          <a:bodyPr numCol="2"/>
-          <a:lstStyle/>
-          <a:p>
-            <a:r>
-              <a:rPr lang="en-US" dirty="0" smtClean="0"/>
-              <a:t>Pros:</a:t>
-            </a:r>
-          </a:p>
-          <a:p>
-            <a:pPr lvl="1"/>
-            <a:r>
-              <a:rPr lang="en-US" dirty="0" smtClean="0"/>
-              <a:t>Reproducibility</a:t>
-            </a:r>
-          </a:p>
-          <a:p>
-            <a:pPr lvl="2"/>
-            <a:r>
-              <a:rPr lang="en-US" dirty="0" smtClean="0"/>
-              <a:t>Explicit documentation of steps</a:t>
-            </a:r>
-          </a:p>
-          <a:p>
-            <a:pPr lvl="1"/>
-            <a:r>
-              <a:rPr lang="en-US" dirty="0" smtClean="0"/>
-              <a:t>Versatile </a:t>
-            </a:r>
-          </a:p>
-          <a:p>
-            <a:pPr lvl="2"/>
-            <a:r>
-              <a:rPr lang="en-US" dirty="0" smtClean="0"/>
-              <a:t>Run on any operating system</a:t>
-            </a:r>
-          </a:p>
-          <a:p>
-            <a:pPr lvl="2"/>
-            <a:r>
-              <a:rPr lang="en-US" dirty="0" smtClean="0"/>
-              <a:t>Integrates with other software, languages, and data extensions</a:t>
-            </a:r>
-          </a:p>
-          <a:p>
-            <a:pPr lvl="3"/>
-            <a:r>
-              <a:rPr lang="en-US" dirty="0" smtClean="0"/>
-              <a:t>Python, Java, SAS, SPSS, Excel</a:t>
-            </a:r>
-          </a:p>
-          <a:p>
-            <a:pPr lvl="1"/>
-            <a:r>
-              <a:rPr lang="en-US" dirty="0" smtClean="0"/>
-              <a:t>Free and Open-Source w/ large active community</a:t>
-            </a:r>
-          </a:p>
-          <a:p>
-            <a:pPr lvl="2"/>
-            <a:r>
-              <a:rPr lang="en-US" dirty="0" smtClean="0"/>
-              <a:t>10K+ packages CRAN, Twitter, GitHub, etc.</a:t>
-            </a:r>
-          </a:p>
-          <a:p>
-            <a:pPr lvl="1"/>
-            <a:r>
-              <a:rPr lang="en-US" dirty="0" smtClean="0"/>
-              <a:t>Comprehensive</a:t>
-            </a:r>
-          </a:p>
-          <a:p>
-            <a:pPr lvl="2"/>
-            <a:r>
-              <a:rPr lang="en-US" dirty="0" smtClean="0"/>
-              <a:t>Eliminates the need for multiple software</a:t>
-            </a:r>
-          </a:p>
-          <a:p>
-            <a:pPr lvl="3"/>
-            <a:r>
-              <a:rPr lang="en-US" dirty="0" smtClean="0"/>
-              <a:t>GIS, Excel, ENVI, etc.</a:t>
-            </a:r>
-          </a:p>
-          <a:p>
-            <a:pPr lvl="1"/>
-            <a:r>
-              <a:rPr lang="en-US" dirty="0" smtClean="0"/>
-              <a:t>Computationally Robust</a:t>
-            </a:r>
-          </a:p>
-          <a:p>
-            <a:pPr lvl="2"/>
-            <a:r>
-              <a:rPr lang="en-US" dirty="0" smtClean="0"/>
-              <a:t>Fast and allows for high level analysis</a:t>
-            </a:r>
-          </a:p>
-          <a:p>
-            <a:pPr lvl="3"/>
-            <a:endParaRPr lang="en-US" dirty="0" smtClean="0"/>
-          </a:p>
-          <a:p>
-            <a:r>
-              <a:rPr lang="en-US" dirty="0" smtClean="0"/>
-              <a:t>Cons:</a:t>
-            </a:r>
-          </a:p>
-          <a:p>
-            <a:pPr lvl="1"/>
-            <a:r>
-              <a:rPr lang="en-US" dirty="0" smtClean="0"/>
-              <a:t>Steep Learning Curve</a:t>
-            </a:r>
-          </a:p>
-          <a:p>
-            <a:pPr lvl="2"/>
-            <a:r>
-              <a:rPr lang="en-US" dirty="0" smtClean="0"/>
-              <a:t>Requires a significant time investment especially starting with little to no coding experience</a:t>
-            </a:r>
-          </a:p>
-          <a:p>
-            <a:pPr lvl="1"/>
-            <a:r>
-              <a:rPr lang="en-US" dirty="0" smtClean="0"/>
-              <a:t>Limited “Point &amp; Click” </a:t>
-            </a:r>
-          </a:p>
-          <a:p>
-            <a:pPr lvl="2"/>
-            <a:r>
-              <a:rPr lang="en-US" dirty="0" smtClean="0"/>
-              <a:t>R Commander or Radiant?</a:t>
-            </a:r>
-          </a:p>
-          <a:p>
-            <a:pPr lvl="1"/>
-            <a:r>
-              <a:rPr lang="en-US" dirty="0" smtClean="0"/>
-              <a:t>Open-Source</a:t>
-            </a:r>
-          </a:p>
-          <a:p>
-            <a:pPr lvl="2"/>
-            <a:r>
-              <a:rPr lang="en-US" dirty="0" smtClean="0"/>
-              <a:t>Rely on creators to follow coding etiquette</a:t>
-            </a:r>
-          </a:p>
-          <a:p>
-            <a:pPr lvl="2"/>
-            <a:r>
-              <a:rPr lang="en-US" dirty="0" smtClean="0"/>
-              <a:t>Version control and instability </a:t>
-            </a:r>
-          </a:p>
-          <a:p>
-            <a:pPr lvl="2"/>
-            <a:endParaRPr lang="en-US" dirty="0" smtClean="0"/>
-          </a:p>
-        </p:txBody>
-      </p:sp>
-    </p:spTree>
-    <p:extLst>
-      <p:ext uri="{BB962C8B-B14F-4D97-AF65-F5344CB8AC3E}">
-        <p14:creationId xmlns:p14="http://schemas.microsoft.com/office/powerpoint/2010/main" val="4090045013"/>
-      </p:ext>
-    </p:extLst>
-  </p:cSld>
-  <p:clrMapOvr>
-    <a:masterClrMapping/>
-  </p:clrMapOvr>
-  <p:timing>
-    <p:tnLst>
-      <p:par>
-        <p:cTn id="1" dur="indefinite" restart="never" nodeType="tmRoot"/>
-      </p:par>
-    </p:tnLst>
-  </p:timing>
-</p:sld>
-</file>
-
-<file path=ppt/slides/slide5.xml><?xml version="1.0" encoding="utf-8"?>
-<p:sld xmlns:a="http://schemas.openxmlformats.org/drawingml/2006/main" xmlns:r="http://schemas.openxmlformats.org/officeDocument/2006/relationships" xmlns:p="http://schemas.openxmlformats.org/presentationml/2006/main">
-  <p:cSld>
-    <p:spTree>
-      <p:nvGrpSpPr>
-        <p:cNvPr id="1" name=""/>
-        <p:cNvGrpSpPr/>
-        <p:nvPr/>
-      </p:nvGrpSpPr>
-      <p:grpSpPr>
-        <a:xfrm>
-          <a:off x="0" y="0"/>
-          <a:ext cx="0" cy="0"/>
-          <a:chOff x="0" y="0"/>
-          <a:chExt cx="0" cy="0"/>
-        </a:xfrm>
-      </p:grpSpPr>
-      <p:sp>
-        <p:nvSpPr>
-          <p:cNvPr id="2" name="Title 1"/>
-          <p:cNvSpPr>
-            <a:spLocks noGrp="1"/>
-          </p:cNvSpPr>
-          <p:nvPr>
-            <p:ph type="title"/>
-          </p:nvPr>
-        </p:nvSpPr>
-        <p:spPr/>
-        <p:txBody>
-          <a:bodyPr>
-            <a:normAutofit fontScale="90000"/>
-          </a:bodyPr>
-          <a:lstStyle/>
-          <a:p>
-            <a:r>
-              <a:rPr lang="en-US" dirty="0" smtClean="0"/>
               <a:t>What is Data?</a:t>
             </a:r>
             <a:endParaRPr lang="en-US" dirty="0"/>
@@ -8178,7 +7813,7 @@
 </p:sld>
 </file>
 
-<file path=ppt/slides/slide6.xml><?xml version="1.0" encoding="utf-8"?>
+<file path=ppt/slides/slide5.xml><?xml version="1.0" encoding="utf-8"?>
 <p:sld xmlns:a="http://schemas.openxmlformats.org/drawingml/2006/main" xmlns:r="http://schemas.openxmlformats.org/officeDocument/2006/relationships" xmlns:p="http://schemas.openxmlformats.org/presentationml/2006/main">
   <p:cSld>
     <p:spTree>
@@ -8391,7 +8026,7 @@
 </p:sld>
 </file>
 
-<file path=ppt/slides/slide7.xml><?xml version="1.0" encoding="utf-8"?>
+<file path=ppt/slides/slide6.xml><?xml version="1.0" encoding="utf-8"?>
 <p:sld xmlns:a="http://schemas.openxmlformats.org/drawingml/2006/main" xmlns:r="http://schemas.openxmlformats.org/officeDocument/2006/relationships" xmlns:p="http://schemas.openxmlformats.org/presentationml/2006/main">
   <p:cSld>
     <p:spTree>
@@ -8562,7 +8197,7 @@
 </p:sld>
 </file>
 
-<file path=ppt/slides/slide8.xml><?xml version="1.0" encoding="utf-8"?>
+<file path=ppt/slides/slide7.xml><?xml version="1.0" encoding="utf-8"?>
 <p:sld xmlns:a="http://schemas.openxmlformats.org/drawingml/2006/main" xmlns:r="http://schemas.openxmlformats.org/officeDocument/2006/relationships" xmlns:p="http://schemas.openxmlformats.org/presentationml/2006/main">
   <p:cSld>
     <p:spTree>
@@ -8664,7 +8299,7 @@
 </p:sld>
 </file>
 
-<file path=ppt/slides/slide9.xml><?xml version="1.0" encoding="utf-8"?>
+<file path=ppt/slides/slide8.xml><?xml version="1.0" encoding="utf-8"?>
 <p:sld xmlns:a="http://schemas.openxmlformats.org/drawingml/2006/main" xmlns:r="http://schemas.openxmlformats.org/officeDocument/2006/relationships" xmlns:p="http://schemas.openxmlformats.org/presentationml/2006/main">
   <p:cSld>
     <p:spTree>
@@ -8902,6 +8537,137 @@
     <p:extLst>
       <p:ext uri="{BB962C8B-B14F-4D97-AF65-F5344CB8AC3E}">
         <p14:creationId xmlns:p14="http://schemas.microsoft.com/office/powerpoint/2010/main" val="1884110738"/>
+      </p:ext>
+    </p:extLst>
+  </p:cSld>
+  <p:clrMapOvr>
+    <a:masterClrMapping/>
+  </p:clrMapOvr>
+  <p:timing>
+    <p:tnLst>
+      <p:par>
+        <p:cTn id="1" dur="indefinite" restart="never" nodeType="tmRoot"/>
+      </p:par>
+    </p:tnLst>
+  </p:timing>
+</p:sld>
+</file>
+
+<file path=ppt/slides/slide9.xml><?xml version="1.0" encoding="utf-8"?>
+<p:sld xmlns:a="http://schemas.openxmlformats.org/drawingml/2006/main" xmlns:r="http://schemas.openxmlformats.org/officeDocument/2006/relationships" xmlns:p="http://schemas.openxmlformats.org/presentationml/2006/main">
+  <p:cSld>
+    <p:spTree>
+      <p:nvGrpSpPr>
+        <p:cNvPr id="1" name=""/>
+        <p:cNvGrpSpPr/>
+        <p:nvPr/>
+      </p:nvGrpSpPr>
+      <p:grpSpPr>
+        <a:xfrm>
+          <a:off x="0" y="0"/>
+          <a:ext cx="0" cy="0"/>
+          <a:chOff x="0" y="0"/>
+          <a:chExt cx="0" cy="0"/>
+        </a:xfrm>
+      </p:grpSpPr>
+      <p:sp>
+        <p:nvSpPr>
+          <p:cNvPr id="2" name="Title 1"/>
+          <p:cNvSpPr>
+            <a:spLocks noGrp="1"/>
+          </p:cNvSpPr>
+          <p:nvPr>
+            <p:ph type="title"/>
+          </p:nvPr>
+        </p:nvSpPr>
+        <p:spPr>
+          <a:xfrm>
+            <a:off x="415600" y="1"/>
+            <a:ext cx="11360800" cy="785004"/>
+          </a:xfrm>
+        </p:spPr>
+        <p:txBody>
+          <a:bodyPr>
+            <a:normAutofit fontScale="90000"/>
+          </a:bodyPr>
+          <a:lstStyle/>
+          <a:p>
+            <a:r>
+              <a:rPr lang="en-US" dirty="0" smtClean="0"/>
+              <a:t>Four Basic Chart Types</a:t>
+            </a:r>
+            <a:endParaRPr lang="en-US" dirty="0"/>
+          </a:p>
+        </p:txBody>
+      </p:sp>
+      <p:pic>
+        <p:nvPicPr>
+          <p:cNvPr id="7" name="Content Placeholder 3"/>
+          <p:cNvPicPr>
+            <a:picLocks noChangeAspect="1"/>
+          </p:cNvPicPr>
+          <p:nvPr/>
+        </p:nvPicPr>
+        <p:blipFill rotWithShape="1">
+          <a:blip r:embed="rId2"/>
+          <a:srcRect l="6594" t="8507" b="3751"/>
+          <a:stretch/>
+        </p:blipFill>
+        <p:spPr>
+          <a:xfrm>
+            <a:off x="1872572" y="716452"/>
+            <a:ext cx="8446855" cy="6141548"/>
+          </a:xfrm>
+          <a:prstGeom prst="rect">
+            <a:avLst/>
+          </a:prstGeom>
+        </p:spPr>
+      </p:pic>
+      <p:sp>
+        <p:nvSpPr>
+          <p:cNvPr id="8" name="Rectangle 7"/>
+          <p:cNvSpPr/>
+          <p:nvPr/>
+        </p:nvSpPr>
+        <p:spPr>
+          <a:xfrm>
+            <a:off x="1837425" y="6611779"/>
+            <a:ext cx="4258574" cy="246221"/>
+          </a:xfrm>
+          <a:prstGeom prst="rect">
+            <a:avLst/>
+          </a:prstGeom>
+        </p:spPr>
+        <p:txBody>
+          <a:bodyPr wrap="square">
+            <a:spAutoFit/>
+          </a:bodyPr>
+          <a:lstStyle/>
+          <a:p>
+            <a:r>
+              <a:rPr lang="en-US" sz="1000" dirty="0">
+                <a:hlinkClick r:id="rId3"/>
+              </a:rPr>
+              <a:t>http://</a:t>
+            </a:r>
+            <a:r>
+              <a:rPr lang="en-US" sz="1000" dirty="0" smtClean="0">
+                <a:hlinkClick r:id="rId3"/>
+              </a:rPr>
+              <a:t>extremepresentation.typepad.com/files/choosing-a-good-chart-09.pdf</a:t>
+            </a:r>
+            <a:r>
+              <a:rPr lang="en-US" sz="1000" dirty="0" smtClean="0"/>
+              <a:t> </a:t>
+            </a:r>
+            <a:endParaRPr lang="en-US" sz="1000" dirty="0"/>
+          </a:p>
+        </p:txBody>
+      </p:sp>
+    </p:spTree>
+    <p:extLst>
+      <p:ext uri="{BB962C8B-B14F-4D97-AF65-F5344CB8AC3E}">
+        <p14:creationId xmlns:p14="http://schemas.microsoft.com/office/powerpoint/2010/main" val="1850332024"/>
       </p:ext>
     </p:extLst>
   </p:cSld>

--- a/Brief_Intro_to_Tableau/A Brief Introduction to Tableau.pptx
+++ b/Brief_Intro_to_Tableau/A Brief Introduction to Tableau.pptx
@@ -6,7 +6,7 @@
     <p:sldMasterId id="2147483692" r:id="rId2"/>
   </p:sldMasterIdLst>
   <p:notesMasterIdLst>
-    <p:notesMasterId r:id="rId14"/>
+    <p:notesMasterId r:id="rId18"/>
   </p:notesMasterIdLst>
   <p:sldIdLst>
     <p:sldId id="283" r:id="rId3"/>
@@ -19,7 +19,11 @@
     <p:sldId id="340" r:id="rId10"/>
     <p:sldId id="339" r:id="rId11"/>
     <p:sldId id="359" r:id="rId12"/>
-    <p:sldId id="358" r:id="rId13"/>
+    <p:sldId id="362" r:id="rId13"/>
+    <p:sldId id="361" r:id="rId14"/>
+    <p:sldId id="365" r:id="rId15"/>
+    <p:sldId id="364" r:id="rId16"/>
+    <p:sldId id="363" r:id="rId17"/>
   </p:sldIdLst>
   <p:sldSz cx="12192000" cy="6858000"/>
   <p:notesSz cx="6858000" cy="9144000"/>
@@ -208,7 +212,7 @@
           <a:p>
             <a:fld id="{85B0B4E8-A216-4834-BA1C-6A7DAFED7374}" type="datetimeFigureOut">
               <a:rPr lang="en-US" smtClean="0"/>
-              <a:t>9/11/2018</a:t>
+              <a:t>10/8/2018</a:t>
             </a:fld>
             <a:endParaRPr lang="en-US"/>
           </a:p>
@@ -607,7 +611,7 @@
           <a:p>
             <a:fld id="{C272A757-42F3-4527-9C1E-C8A1E1019F33}" type="datetimeFigureOut">
               <a:rPr lang="en-US" smtClean="0"/>
-              <a:t>9/11/2018</a:t>
+              <a:t>10/8/2018</a:t>
             </a:fld>
             <a:endParaRPr lang="en-US"/>
           </a:p>
@@ -777,7 +781,7 @@
           <a:p>
             <a:fld id="{C272A757-42F3-4527-9C1E-C8A1E1019F33}" type="datetimeFigureOut">
               <a:rPr lang="en-US" smtClean="0"/>
-              <a:t>9/11/2018</a:t>
+              <a:t>10/8/2018</a:t>
             </a:fld>
             <a:endParaRPr lang="en-US"/>
           </a:p>
@@ -957,7 +961,7 @@
           <a:p>
             <a:fld id="{C272A757-42F3-4527-9C1E-C8A1E1019F33}" type="datetimeFigureOut">
               <a:rPr lang="en-US" smtClean="0"/>
-              <a:t>9/11/2018</a:t>
+              <a:t>10/8/2018</a:t>
             </a:fld>
             <a:endParaRPr lang="en-US"/>
           </a:p>
@@ -1428,7 +1432,7 @@
             <a:fld id="{8ACDB3CC-F982-40F9-8DD6-BCC9AFBF44BD}" type="datetime1">
               <a:rPr lang="en-US" smtClean="0"/>
               <a:pPr/>
-              <a:t>9/11/2018</a:t>
+              <a:t>10/8/2018</a:t>
             </a:fld>
             <a:endParaRPr lang="en-US" dirty="0"/>
           </a:p>
@@ -1598,7 +1602,7 @@
           <a:p>
             <a:fld id="{68C2560D-EC28-3B41-86E8-18F1CE0113B4}" type="datetimeFigureOut">
               <a:rPr lang="en-US" smtClean="0"/>
-              <a:t>9/11/2018</a:t>
+              <a:t>10/8/2018</a:t>
             </a:fld>
             <a:endParaRPr lang="en-US"/>
           </a:p>
@@ -1845,7 +1849,7 @@
             <a:fld id="{4A9E7B99-7C3F-4BC3-B7B8-7E1F8C620B24}" type="datetime1">
               <a:rPr lang="en-US" smtClean="0"/>
               <a:pPr/>
-              <a:t>9/11/2018</a:t>
+              <a:t>10/8/2018</a:t>
             </a:fld>
             <a:endParaRPr lang="en-US"/>
           </a:p>
@@ -2139,7 +2143,7 @@
           <a:p>
             <a:fld id="{68C2560D-EC28-3B41-86E8-18F1CE0113B4}" type="datetimeFigureOut">
               <a:rPr lang="en-US" smtClean="0"/>
-              <a:t>9/11/2018</a:t>
+              <a:t>10/8/2018</a:t>
             </a:fld>
             <a:endParaRPr lang="en-US"/>
           </a:p>
@@ -2566,7 +2570,7 @@
           <a:p>
             <a:fld id="{68C2560D-EC28-3B41-86E8-18F1CE0113B4}" type="datetimeFigureOut">
               <a:rPr lang="en-US" smtClean="0"/>
-              <a:t>9/11/2018</a:t>
+              <a:t>10/8/2018</a:t>
             </a:fld>
             <a:endParaRPr lang="en-US"/>
           </a:p>
@@ -2684,7 +2688,7 @@
           <a:p>
             <a:fld id="{68C2560D-EC28-3B41-86E8-18F1CE0113B4}" type="datetimeFigureOut">
               <a:rPr lang="en-US" smtClean="0"/>
-              <a:t>9/11/2018</a:t>
+              <a:t>10/8/2018</a:t>
             </a:fld>
             <a:endParaRPr lang="en-US"/>
           </a:p>
@@ -2779,7 +2783,7 @@
           <a:p>
             <a:fld id="{68C2560D-EC28-3B41-86E8-18F1CE0113B4}" type="datetimeFigureOut">
               <a:rPr lang="en-US" smtClean="0"/>
-              <a:t>9/11/2018</a:t>
+              <a:t>10/8/2018</a:t>
             </a:fld>
             <a:endParaRPr lang="en-US"/>
           </a:p>
@@ -2949,7 +2953,7 @@
           <a:p>
             <a:fld id="{C272A757-42F3-4527-9C1E-C8A1E1019F33}" type="datetimeFigureOut">
               <a:rPr lang="en-US" smtClean="0"/>
-              <a:t>9/11/2018</a:t>
+              <a:t>10/8/2018</a:t>
             </a:fld>
             <a:endParaRPr lang="en-US"/>
           </a:p>
@@ -3226,7 +3230,7 @@
           <a:p>
             <a:fld id="{68C2560D-EC28-3B41-86E8-18F1CE0113B4}" type="datetimeFigureOut">
               <a:rPr lang="en-US" smtClean="0"/>
-              <a:t>9/11/2018</a:t>
+              <a:t>10/8/2018</a:t>
             </a:fld>
             <a:endParaRPr lang="en-US"/>
           </a:p>
@@ -3486,7 +3490,7 @@
           <a:p>
             <a:fld id="{68C2560D-EC28-3B41-86E8-18F1CE0113B4}" type="datetimeFigureOut">
               <a:rPr lang="en-US" smtClean="0"/>
-              <a:t>9/11/2018</a:t>
+              <a:t>10/8/2018</a:t>
             </a:fld>
             <a:endParaRPr lang="en-US"/>
           </a:p>
@@ -3656,7 +3660,7 @@
           <a:p>
             <a:fld id="{68C2560D-EC28-3B41-86E8-18F1CE0113B4}" type="datetimeFigureOut">
               <a:rPr lang="en-US" smtClean="0"/>
-              <a:t>9/11/2018</a:t>
+              <a:t>10/8/2018</a:t>
             </a:fld>
             <a:endParaRPr lang="en-US"/>
           </a:p>
@@ -3836,7 +3840,7 @@
           <a:p>
             <a:fld id="{68C2560D-EC28-3B41-86E8-18F1CE0113B4}" type="datetimeFigureOut">
               <a:rPr lang="en-US" smtClean="0"/>
-              <a:t>9/11/2018</a:t>
+              <a:t>10/8/2018</a:t>
             </a:fld>
             <a:endParaRPr lang="en-US"/>
           </a:p>
@@ -4082,7 +4086,7 @@
           <a:p>
             <a:fld id="{C272A757-42F3-4527-9C1E-C8A1E1019F33}" type="datetimeFigureOut">
               <a:rPr lang="en-US" smtClean="0"/>
-              <a:t>9/11/2018</a:t>
+              <a:t>10/8/2018</a:t>
             </a:fld>
             <a:endParaRPr lang="en-US"/>
           </a:p>
@@ -4314,7 +4318,7 @@
           <a:p>
             <a:fld id="{C272A757-42F3-4527-9C1E-C8A1E1019F33}" type="datetimeFigureOut">
               <a:rPr lang="en-US" smtClean="0"/>
-              <a:t>9/11/2018</a:t>
+              <a:t>10/8/2018</a:t>
             </a:fld>
             <a:endParaRPr lang="en-US"/>
           </a:p>
@@ -4681,7 +4685,7 @@
           <a:p>
             <a:fld id="{C272A757-42F3-4527-9C1E-C8A1E1019F33}" type="datetimeFigureOut">
               <a:rPr lang="en-US" smtClean="0"/>
-              <a:t>9/11/2018</a:t>
+              <a:t>10/8/2018</a:t>
             </a:fld>
             <a:endParaRPr lang="en-US"/>
           </a:p>
@@ -4799,7 +4803,7 @@
           <a:p>
             <a:fld id="{C272A757-42F3-4527-9C1E-C8A1E1019F33}" type="datetimeFigureOut">
               <a:rPr lang="en-US" smtClean="0"/>
-              <a:t>9/11/2018</a:t>
+              <a:t>10/8/2018</a:t>
             </a:fld>
             <a:endParaRPr lang="en-US"/>
           </a:p>
@@ -4894,7 +4898,7 @@
           <a:p>
             <a:fld id="{C272A757-42F3-4527-9C1E-C8A1E1019F33}" type="datetimeFigureOut">
               <a:rPr lang="en-US" smtClean="0"/>
-              <a:t>9/11/2018</a:t>
+              <a:t>10/8/2018</a:t>
             </a:fld>
             <a:endParaRPr lang="en-US"/>
           </a:p>
@@ -5171,7 +5175,7 @@
           <a:p>
             <a:fld id="{C272A757-42F3-4527-9C1E-C8A1E1019F33}" type="datetimeFigureOut">
               <a:rPr lang="en-US" smtClean="0"/>
-              <a:t>9/11/2018</a:t>
+              <a:t>10/8/2018</a:t>
             </a:fld>
             <a:endParaRPr lang="en-US"/>
           </a:p>
@@ -5424,7 +5428,7 @@
           <a:p>
             <a:fld id="{C272A757-42F3-4527-9C1E-C8A1E1019F33}" type="datetimeFigureOut">
               <a:rPr lang="en-US" smtClean="0"/>
-              <a:t>9/11/2018</a:t>
+              <a:t>10/8/2018</a:t>
             </a:fld>
             <a:endParaRPr lang="en-US"/>
           </a:p>
@@ -5637,7 +5641,7 @@
           <a:p>
             <a:fld id="{C272A757-42F3-4527-9C1E-C8A1E1019F33}" type="datetimeFigureOut">
               <a:rPr lang="en-US" smtClean="0"/>
-              <a:t>9/11/2018</a:t>
+              <a:t>10/8/2018</a:t>
             </a:fld>
             <a:endParaRPr lang="en-US"/>
           </a:p>
@@ -6185,7 +6189,7 @@
           <a:p>
             <a:fld id="{68C2560D-EC28-3B41-86E8-18F1CE0113B4}" type="datetimeFigureOut">
               <a:rPr lang="en-US" smtClean="0"/>
-              <a:t>9/11/2018</a:t>
+              <a:t>10/8/2018</a:t>
             </a:fld>
             <a:endParaRPr lang="en-US"/>
           </a:p>
@@ -6617,8 +6621,27 @@
           <a:p>
             <a:r>
               <a:rPr lang="en-US" dirty="0" smtClean="0"/>
-              <a:t>Richard Johansen</a:t>
-            </a:r>
+              <a:t>Richard </a:t>
+            </a:r>
+            <a:r>
+              <a:rPr lang="en-US" dirty="0" smtClean="0"/>
+              <a:t>Johansen</a:t>
+            </a:r>
+          </a:p>
+          <a:p>
+            <a:r>
+              <a:rPr lang="en-US" dirty="0" smtClean="0"/>
+              <a:t>October 8</a:t>
+            </a:r>
+            <a:r>
+              <a:rPr lang="en-US" baseline="30000" dirty="0" smtClean="0"/>
+              <a:t>th</a:t>
+            </a:r>
+            <a:r>
+              <a:rPr lang="en-US" dirty="0" smtClean="0"/>
+              <a:t>, 2018</a:t>
+            </a:r>
+            <a:endParaRPr lang="en-US" dirty="0" smtClean="0"/>
           </a:p>
         </p:txBody>
       </p:sp>
@@ -6769,17 +6792,8 @@
             </a:r>
             <a:r>
               <a:rPr lang="it-IT" dirty="0" smtClean="0"/>
-              <a:t> (Free from</a:t>
-            </a:r>
-            <a:r>
-              <a:rPr lang="it-IT" dirty="0" smtClean="0"/>
-              <a:t> </a:t>
-            </a:r>
-            <a:r>
-              <a:rPr lang="it-IT" dirty="0" smtClean="0"/>
-              <a:t>UC):</a:t>
-            </a:r>
-            <a:endParaRPr lang="it-IT" dirty="0" smtClean="0"/>
+              <a:t> (Free from UC):</a:t>
+            </a:r>
           </a:p>
           <a:p>
             <a:pPr lvl="1"/>
@@ -6787,7 +6801,6 @@
               <a:rPr lang="it-IT" dirty="0" smtClean="0"/>
               <a:t>Tableau Essential Training</a:t>
             </a:r>
-            <a:endParaRPr lang="it-IT" dirty="0" smtClean="0"/>
           </a:p>
           <a:p>
             <a:pPr lvl="1"/>
@@ -6795,7 +6808,6 @@
               <a:rPr lang="it-IT" dirty="0" smtClean="0"/>
               <a:t>Tableau 10 for Data Scientist </a:t>
             </a:r>
-            <a:endParaRPr lang="it-IT" dirty="0" smtClean="0"/>
           </a:p>
           <a:p>
             <a:pPr lvl="1"/>
@@ -6803,7 +6815,6 @@
               <a:rPr lang="it-IT" dirty="0" smtClean="0"/>
               <a:t>Creating Interactive Dashboards in Tableau 10</a:t>
             </a:r>
-            <a:endParaRPr lang="it-IT" dirty="0" smtClean="0"/>
           </a:p>
           <a:p>
             <a:pPr marL="0" indent="0">
@@ -6832,7 +6843,6 @@
               <a:rPr lang="it-IT" dirty="0" smtClean="0"/>
               <a:t> </a:t>
             </a:r>
-            <a:endParaRPr lang="it-IT" dirty="0" smtClean="0"/>
           </a:p>
           <a:p>
             <a:pPr lvl="1"/>
@@ -6916,18 +6926,164 @@
       </p:grpSpPr>
       <p:sp>
         <p:nvSpPr>
-          <p:cNvPr id="3" name="Subtitle 2"/>
-          <p:cNvSpPr>
-            <a:spLocks noGrp="1"/>
-          </p:cNvSpPr>
-          <p:nvPr>
-            <p:ph type="subTitle" idx="1"/>
-          </p:nvPr>
+          <p:cNvPr id="6" name="Rectangle 5">
+            <a:extLst>
+              <a:ext uri="{FF2B5EF4-FFF2-40B4-BE49-F238E27FC236}">
+                <a16:creationId xmlns:a16="http://schemas.microsoft.com/office/drawing/2014/main" id="{00EEE058-9F8A-7541-AB30-AA6F02EC9195}"/>
+              </a:ext>
+            </a:extLst>
+          </p:cNvPr>
+          <p:cNvSpPr/>
+          <p:nvPr/>
         </p:nvSpPr>
         <p:spPr>
           <a:xfrm>
-            <a:off x="2909108" y="647700"/>
-            <a:ext cx="8358967" cy="5629275"/>
+            <a:off x="1448330" y="-434934"/>
+            <a:ext cx="9562048" cy="6691685"/>
+          </a:xfrm>
+          <a:prstGeom prst="rect">
+            <a:avLst/>
+          </a:prstGeom>
+          <a:blipFill dpi="0" rotWithShape="1">
+            <a:blip r:embed="rId2">
+              <a:extLst>
+                <a:ext uri="{BEBA8EAE-BF5A-486C-A8C5-ECC9F3942E4B}">
+                  <a14:imgProps xmlns:a14="http://schemas.microsoft.com/office/drawing/2010/main">
+                    <a14:imgLayer r:embed="rId3">
+                      <a14:imgEffect>
+                        <a14:artisticPhotocopy/>
+                      </a14:imgEffect>
+                    </a14:imgLayer>
+                  </a14:imgProps>
+                </a:ext>
+              </a:extLst>
+            </a:blip>
+            <a:srcRect/>
+            <a:stretch>
+              <a:fillRect t="1" b="-40688"/>
+            </a:stretch>
+          </a:blipFill>
+          <a:ln>
+            <a:noFill/>
+          </a:ln>
+        </p:spPr>
+        <p:style>
+          <a:lnRef idx="2">
+            <a:schemeClr val="accent1">
+              <a:shade val="50000"/>
+            </a:schemeClr>
+          </a:lnRef>
+          <a:fillRef idx="1">
+            <a:schemeClr val="accent1"/>
+          </a:fillRef>
+          <a:effectRef idx="0">
+            <a:schemeClr val="accent1"/>
+          </a:effectRef>
+          <a:fontRef idx="minor">
+            <a:schemeClr val="lt1"/>
+          </a:fontRef>
+        </p:style>
+        <p:txBody>
+          <a:bodyPr rtlCol="0" anchor="ctr"/>
+          <a:lstStyle/>
+          <a:p>
+            <a:pPr algn="ctr"/>
+            <a:r>
+              <a:rPr lang="en-US" sz="4500" b="1" dirty="0">
+                <a:solidFill>
+                  <a:schemeClr val="tx1"/>
+                </a:solidFill>
+                <a:latin typeface="Arial Rounded MT Bold" panose="020F0704030504030204" pitchFamily="34" charset="77"/>
+              </a:rPr>
+              <a:t>University of Cincinnati Libraries</a:t>
+            </a:r>
+          </a:p>
+          <a:p>
+            <a:pPr algn="ctr"/>
+            <a:r>
+              <a:rPr lang="en-US" sz="4500" b="1" dirty="0">
+                <a:solidFill>
+                  <a:srgbClr val="C00000"/>
+                </a:solidFill>
+                <a:latin typeface="Arial Rounded MT Bold" panose="020F0704030504030204" pitchFamily="34" charset="77"/>
+              </a:rPr>
+              <a:t>Research &amp; Data Services</a:t>
+            </a:r>
+          </a:p>
+          <a:p>
+            <a:pPr algn="ctr"/>
+            <a:endParaRPr lang="en-US" sz="4500" b="1" dirty="0">
+              <a:latin typeface="Arial Rounded MT Bold" panose="020F0704030504030204" pitchFamily="34" charset="77"/>
+            </a:endParaRPr>
+          </a:p>
+          <a:p>
+            <a:pPr algn="ctr"/>
+            <a:r>
+              <a:rPr lang="en-US" sz="4500" b="1" dirty="0">
+                <a:latin typeface="Arial Rounded MT Bold" panose="020F0704030504030204" pitchFamily="34" charset="77"/>
+                <a:hlinkClick r:id="rId4"/>
+              </a:rPr>
+              <a:t>AskData@uc.edu</a:t>
+            </a:r>
+            <a:r>
+              <a:rPr lang="en-US" sz="4500" b="1" dirty="0">
+                <a:latin typeface="Arial Rounded MT Bold" panose="020F0704030504030204" pitchFamily="34" charset="77"/>
+              </a:rPr>
+              <a:t> </a:t>
+            </a:r>
+          </a:p>
+        </p:txBody>
+      </p:sp>
+    </p:spTree>
+    <p:extLst>
+      <p:ext uri="{BB962C8B-B14F-4D97-AF65-F5344CB8AC3E}">
+        <p14:creationId xmlns:p14="http://schemas.microsoft.com/office/powerpoint/2010/main" val="3521527987"/>
+      </p:ext>
+    </p:extLst>
+  </p:cSld>
+  <p:clrMapOvr>
+    <a:masterClrMapping/>
+  </p:clrMapOvr>
+</p:sld>
+</file>
+
+<file path=ppt/slides/slide12.xml><?xml version="1.0" encoding="utf-8"?>
+<p:sld xmlns:a="http://schemas.openxmlformats.org/drawingml/2006/main" xmlns:r="http://schemas.openxmlformats.org/officeDocument/2006/relationships" xmlns:p="http://schemas.openxmlformats.org/presentationml/2006/main">
+  <p:cSld>
+    <p:spTree>
+      <p:nvGrpSpPr>
+        <p:cNvPr id="1" name=""/>
+        <p:cNvGrpSpPr/>
+        <p:nvPr/>
+      </p:nvGrpSpPr>
+      <p:grpSpPr>
+        <a:xfrm>
+          <a:off x="0" y="0"/>
+          <a:ext cx="0" cy="0"/>
+          <a:chOff x="0" y="0"/>
+          <a:chExt cx="0" cy="0"/>
+        </a:xfrm>
+      </p:grpSpPr>
+      <p:sp>
+        <p:nvSpPr>
+          <p:cNvPr id="2" name="Title 1">
+            <a:extLst>
+              <a:ext uri="{FF2B5EF4-FFF2-40B4-BE49-F238E27FC236}">
+                <a16:creationId xmlns:a16="http://schemas.microsoft.com/office/drawing/2014/main" id="{73738A1F-E202-E64F-92C4-83BE4EBAB984}"/>
+              </a:ext>
+            </a:extLst>
+          </p:cNvPr>
+          <p:cNvSpPr>
+            <a:spLocks noGrp="1"/>
+          </p:cNvSpPr>
+          <p:nvPr>
+            <p:ph type="ctrTitle"/>
+          </p:nvPr>
+        </p:nvSpPr>
+        <p:spPr>
+          <a:xfrm>
+            <a:off x="249836" y="0"/>
+            <a:ext cx="6885482" cy="809469"/>
           </a:xfrm>
         </p:spPr>
         <p:txBody>
@@ -6937,279 +7093,2701 @@
           <a:lstStyle/>
           <a:p>
             <a:r>
-              <a:rPr lang="en-US" sz="2800" b="1" dirty="0">
+              <a:rPr lang="en-US" altLang="zh-CN" sz="4000" dirty="0">
+                <a:latin typeface="Arial Rounded MT Bold" panose="020F0704030504030204" pitchFamily="34" charset="77"/>
+              </a:rPr>
+              <a:t>Research</a:t>
+            </a:r>
+            <a:r>
+              <a:rPr lang="zh-CN" altLang="en-US" sz="4000" dirty="0">
+                <a:latin typeface="Arial Rounded MT Bold" panose="020F0704030504030204" pitchFamily="34" charset="77"/>
+              </a:rPr>
+              <a:t> </a:t>
+            </a:r>
+            <a:r>
+              <a:rPr lang="en-US" altLang="zh-CN" sz="4000" dirty="0">
+                <a:latin typeface="Arial Rounded MT Bold" panose="020F0704030504030204" pitchFamily="34" charset="77"/>
+              </a:rPr>
+              <a:t>&amp;</a:t>
+            </a:r>
+            <a:r>
+              <a:rPr lang="zh-CN" altLang="en-US" sz="4000" dirty="0">
+                <a:latin typeface="Arial Rounded MT Bold" panose="020F0704030504030204" pitchFamily="34" charset="77"/>
+              </a:rPr>
+              <a:t> </a:t>
+            </a:r>
+            <a:r>
+              <a:rPr lang="en-US" altLang="zh-CN" sz="4000" dirty="0">
+                <a:latin typeface="Arial Rounded MT Bold" panose="020F0704030504030204" pitchFamily="34" charset="77"/>
+              </a:rPr>
+              <a:t>Data</a:t>
+            </a:r>
+            <a:r>
+              <a:rPr lang="zh-CN" altLang="en-US" sz="4000" dirty="0">
+                <a:latin typeface="Arial Rounded MT Bold" panose="020F0704030504030204" pitchFamily="34" charset="77"/>
+              </a:rPr>
+              <a:t> </a:t>
+            </a:r>
+            <a:r>
+              <a:rPr lang="en-US" altLang="zh-CN" sz="4000" dirty="0">
+                <a:latin typeface="Arial Rounded MT Bold" panose="020F0704030504030204" pitchFamily="34" charset="77"/>
+              </a:rPr>
+              <a:t>Services</a:t>
+            </a:r>
+            <a:endParaRPr lang="en-US" sz="4000" dirty="0">
+              <a:latin typeface="Arial Rounded MT Bold" panose="020F0704030504030204" pitchFamily="34" charset="77"/>
+            </a:endParaRPr>
+          </a:p>
+        </p:txBody>
+      </p:sp>
+      <p:sp>
+        <p:nvSpPr>
+          <p:cNvPr id="5" name="TextBox 4">
+            <a:extLst>
+              <a:ext uri="{FF2B5EF4-FFF2-40B4-BE49-F238E27FC236}">
+                <a16:creationId xmlns:a16="http://schemas.microsoft.com/office/drawing/2014/main" id="{62974293-F4B8-994E-BB25-5084C52AD457}"/>
+              </a:ext>
+            </a:extLst>
+          </p:cNvPr>
+          <p:cNvSpPr txBox="1"/>
+          <p:nvPr/>
+        </p:nvSpPr>
+        <p:spPr>
+          <a:xfrm>
+            <a:off x="893837" y="809469"/>
+            <a:ext cx="10354535" cy="5386090"/>
+          </a:xfrm>
+          <a:prstGeom prst="rect">
+            <a:avLst/>
+          </a:prstGeom>
+          <a:noFill/>
+        </p:spPr>
+        <p:txBody>
+          <a:bodyPr wrap="square" rtlCol="0">
+            <a:spAutoFit/>
+          </a:bodyPr>
+          <a:lstStyle/>
+          <a:p>
+            <a:r>
+              <a:rPr lang="en-US" sz="2200" b="1" dirty="0">
                 <a:solidFill>
-                  <a:schemeClr val="tx1"/>
+                  <a:srgbClr val="C00000"/>
                 </a:solidFill>
               </a:rPr>
-              <a:t>Contact </a:t>
-            </a:r>
-            <a:r>
-              <a:rPr lang="en-US" sz="2800" b="1" dirty="0" smtClean="0">
+              <a:t>What is RDS?</a:t>
+            </a:r>
+          </a:p>
+          <a:p>
+            <a:r>
+              <a:rPr lang="en-US" sz="2200" dirty="0"/>
+              <a:t>UC Libraries’ Research and Data Services (RDS) offers support and resources to enhance the productivity of UC researchers at all levels. We provide instruction, consulting, and collaborative spaces designed to deepen research insights. On West campus, we are located in the Geology-Math-Physics Library (</a:t>
+            </a:r>
+            <a:r>
+              <a:rPr lang="en-US" sz="2200" dirty="0" err="1"/>
+              <a:t>Braunstein</a:t>
+            </a:r>
+            <a:r>
+              <a:rPr lang="en-US" sz="2200" dirty="0"/>
+              <a:t> Hall). </a:t>
+            </a:r>
+            <a:endParaRPr lang="en-US" sz="2200" dirty="0">
+              <a:cs typeface="Calibri"/>
+            </a:endParaRPr>
+          </a:p>
+          <a:p>
+            <a:endParaRPr lang="en-US" sz="2200" b="1" dirty="0"/>
+          </a:p>
+          <a:p>
+            <a:pPr lvl="1"/>
+            <a:r>
+              <a:rPr lang="en-US" sz="2200" b="1" dirty="0">
                 <a:solidFill>
-                  <a:schemeClr val="tx1"/>
+                  <a:srgbClr val="C00000"/>
                 </a:solidFill>
               </a:rPr>
-              <a:t>Research &amp; Data Services West</a:t>
-            </a:r>
-            <a:endParaRPr lang="en-US" sz="2800" b="1" dirty="0">
-              <a:solidFill>
-                <a:schemeClr val="tx1"/>
-              </a:solidFill>
-            </a:endParaRPr>
-          </a:p>
-          <a:p>
-            <a:pPr algn="l"/>
-            <a:endParaRPr lang="en-US" sz="2800" b="1" dirty="0" smtClean="0">
-              <a:solidFill>
-                <a:schemeClr val="tx1"/>
-              </a:solidFill>
-            </a:endParaRPr>
-          </a:p>
-          <a:p>
-            <a:pPr algn="l"/>
-            <a:r>
-              <a:rPr lang="en-US" sz="2800" b="1" dirty="0" smtClean="0">
+              <a:t>Who can use your services?</a:t>
+            </a:r>
+            <a:r>
+              <a:rPr lang="en-US" sz="2200" dirty="0"/>
+              <a:t/>
+            </a:r>
+            <a:br>
+              <a:rPr lang="en-US" sz="2200" dirty="0"/>
+            </a:br>
+            <a:r>
+              <a:rPr lang="en-US" sz="2200" dirty="0"/>
+              <a:t>We provide our services to researchers in all disciplines and at all levels, including undergraduate students, graduate students, post-docs, and staff.</a:t>
+            </a:r>
+          </a:p>
+          <a:p>
+            <a:r>
+              <a:rPr lang="en-US" sz="2200" dirty="0"/>
+              <a:t/>
+            </a:r>
+            <a:br>
+              <a:rPr lang="en-US" sz="2200" dirty="0"/>
+            </a:br>
+            <a:r>
+              <a:rPr lang="en-US" sz="2200" dirty="0"/>
+              <a:t>		</a:t>
+            </a:r>
+            <a:r>
+              <a:rPr lang="en-US" sz="2200" b="1" dirty="0">
                 <a:solidFill>
-                  <a:schemeClr val="tx1"/>
+                  <a:srgbClr val="C00000"/>
                 </a:solidFill>
               </a:rPr>
-              <a:t>Email</a:t>
-            </a:r>
-            <a:r>
-              <a:rPr lang="en-US" sz="2800" b="1" dirty="0">
+              <a:t>How can you help me?</a:t>
+            </a:r>
+            <a:r>
+              <a:rPr lang="en-US" sz="2200" dirty="0"/>
+              <a:t/>
+            </a:r>
+            <a:br>
+              <a:rPr lang="en-US" sz="2200" dirty="0"/>
+            </a:br>
+            <a:r>
+              <a:rPr lang="en-US" sz="2200" dirty="0"/>
+              <a:t>		We provide research services that supports the entire life cycle of 			a research project from data acquisition through archival via instructional 		workshops,</a:t>
+            </a:r>
+            <a:r>
+              <a:rPr lang="zh-CN" altLang="en-US" sz="2200" dirty="0"/>
+              <a:t> </a:t>
+            </a:r>
+            <a:r>
+              <a:rPr lang="en-US" sz="2200" dirty="0"/>
+              <a:t>consultations, and research collaboration.</a:t>
+            </a:r>
+          </a:p>
+          <a:p>
+            <a:endParaRPr lang="en-US" dirty="0"/>
+          </a:p>
+          <a:p>
+            <a:endParaRPr lang="en-US" dirty="0"/>
+          </a:p>
+        </p:txBody>
+      </p:sp>
+    </p:spTree>
+    <p:extLst>
+      <p:ext uri="{BB962C8B-B14F-4D97-AF65-F5344CB8AC3E}">
+        <p14:creationId xmlns:p14="http://schemas.microsoft.com/office/powerpoint/2010/main" val="3380203774"/>
+      </p:ext>
+    </p:extLst>
+  </p:cSld>
+  <p:clrMapOvr>
+    <a:masterClrMapping/>
+  </p:clrMapOvr>
+</p:sld>
+</file>
+
+<file path=ppt/slides/slide13.xml><?xml version="1.0" encoding="utf-8"?>
+<p:sld xmlns:a="http://schemas.openxmlformats.org/drawingml/2006/main" xmlns:r="http://schemas.openxmlformats.org/officeDocument/2006/relationships" xmlns:p="http://schemas.openxmlformats.org/presentationml/2006/main">
+  <p:cSld>
+    <p:spTree>
+      <p:nvGrpSpPr>
+        <p:cNvPr id="1" name=""/>
+        <p:cNvGrpSpPr/>
+        <p:nvPr/>
+      </p:nvGrpSpPr>
+      <p:grpSpPr>
+        <a:xfrm>
+          <a:off x="0" y="0"/>
+          <a:ext cx="0" cy="0"/>
+          <a:chOff x="0" y="0"/>
+          <a:chExt cx="0" cy="0"/>
+        </a:xfrm>
+      </p:grpSpPr>
+      <p:sp>
+        <p:nvSpPr>
+          <p:cNvPr id="2" name="Title 1"/>
+          <p:cNvSpPr>
+            <a:spLocks noGrp="1"/>
+          </p:cNvSpPr>
+          <p:nvPr>
+            <p:ph type="title"/>
+          </p:nvPr>
+        </p:nvSpPr>
+        <p:spPr/>
+        <p:txBody>
+          <a:bodyPr>
+            <a:normAutofit fontScale="90000"/>
+          </a:bodyPr>
+          <a:lstStyle/>
+          <a:p>
+            <a:r>
+              <a:rPr lang="en-US" dirty="0" smtClean="0"/>
+              <a:t>Data Visualization Software</a:t>
+            </a:r>
+            <a:endParaRPr lang="en-US" dirty="0"/>
+          </a:p>
+        </p:txBody>
+      </p:sp>
+      <p:sp>
+        <p:nvSpPr>
+          <p:cNvPr id="3" name="Text Placeholder 2"/>
+          <p:cNvSpPr>
+            <a:spLocks noGrp="1"/>
+          </p:cNvSpPr>
+          <p:nvPr>
+            <p:ph type="body" idx="1"/>
+          </p:nvPr>
+        </p:nvSpPr>
+        <p:spPr>
+          <a:xfrm>
+            <a:off x="415600" y="1578196"/>
+            <a:ext cx="6570703" cy="5071985"/>
+          </a:xfrm>
+        </p:spPr>
+        <p:txBody>
+          <a:bodyPr numCol="3">
+            <a:normAutofit/>
+          </a:bodyPr>
+          <a:lstStyle/>
+          <a:p>
+            <a:pPr marL="0" indent="0">
+              <a:buNone/>
+            </a:pPr>
+            <a:r>
+              <a:rPr lang="en-US" b="1" dirty="0" smtClean="0"/>
+              <a:t>Free</a:t>
+            </a:r>
+            <a:r>
+              <a:rPr lang="en-US" dirty="0" smtClean="0"/>
+              <a:t>:</a:t>
+            </a:r>
+          </a:p>
+          <a:p>
+            <a:r>
+              <a:rPr lang="en-US" dirty="0" smtClean="0"/>
+              <a:t>Orange </a:t>
+            </a:r>
+          </a:p>
+          <a:p>
+            <a:r>
+              <a:rPr lang="en-US" dirty="0" smtClean="0"/>
+              <a:t>QGIS</a:t>
+            </a:r>
+          </a:p>
+          <a:p>
+            <a:r>
+              <a:rPr lang="en-US" dirty="0" smtClean="0"/>
+              <a:t>R</a:t>
+            </a:r>
+          </a:p>
+          <a:p>
+            <a:r>
+              <a:rPr lang="en-US" dirty="0" smtClean="0"/>
+              <a:t>Python</a:t>
+            </a:r>
+          </a:p>
+          <a:p>
+            <a:r>
+              <a:rPr lang="en-US" dirty="0" smtClean="0"/>
+              <a:t>Tableau (public)</a:t>
+            </a:r>
+          </a:p>
+          <a:p>
+            <a:r>
+              <a:rPr lang="en-US" dirty="0" smtClean="0"/>
+              <a:t>Java-Script</a:t>
+            </a:r>
+          </a:p>
+          <a:p>
+            <a:pPr lvl="1"/>
+            <a:r>
+              <a:rPr lang="en-US" dirty="0" smtClean="0"/>
+              <a:t>D3 </a:t>
+            </a:r>
+          </a:p>
+          <a:p>
+            <a:pPr lvl="1"/>
+            <a:r>
+              <a:rPr lang="en-US" dirty="0" smtClean="0"/>
+              <a:t>Leaflet</a:t>
+            </a:r>
+          </a:p>
+          <a:p>
+            <a:pPr lvl="1"/>
+            <a:r>
+              <a:rPr lang="en-US" dirty="0" smtClean="0"/>
+              <a:t>Chartist</a:t>
+            </a:r>
+          </a:p>
+          <a:p>
+            <a:pPr lvl="1"/>
+            <a:r>
+              <a:rPr lang="en-US" dirty="0" err="1" smtClean="0"/>
+              <a:t>Plotly</a:t>
+            </a:r>
+            <a:endParaRPr lang="en-US" dirty="0" smtClean="0"/>
+          </a:p>
+          <a:p>
+            <a:pPr marL="0" indent="0">
+              <a:buNone/>
+            </a:pPr>
+            <a:endParaRPr lang="en-US" dirty="0" smtClean="0"/>
+          </a:p>
+          <a:p>
+            <a:pPr marL="0" indent="0">
+              <a:buNone/>
+            </a:pPr>
+            <a:r>
+              <a:rPr lang="en-US" b="1" dirty="0" smtClean="0"/>
+              <a:t>Cost:</a:t>
+            </a:r>
+          </a:p>
+          <a:p>
+            <a:r>
+              <a:rPr lang="en-US" dirty="0" smtClean="0"/>
+              <a:t>Excel</a:t>
+            </a:r>
+          </a:p>
+          <a:p>
+            <a:r>
+              <a:rPr lang="en-US" dirty="0" smtClean="0"/>
+              <a:t>Power BI (Microsoft</a:t>
+            </a:r>
+          </a:p>
+          <a:p>
+            <a:r>
+              <a:rPr lang="en-US" dirty="0" smtClean="0"/>
+              <a:t>Tableau (Desktop)</a:t>
+            </a:r>
+          </a:p>
+          <a:p>
+            <a:r>
+              <a:rPr lang="en-US" dirty="0" smtClean="0"/>
+              <a:t>SPSS</a:t>
+            </a:r>
+          </a:p>
+          <a:p>
+            <a:r>
+              <a:rPr lang="en-US" dirty="0" smtClean="0"/>
+              <a:t>SAS</a:t>
+            </a:r>
+          </a:p>
+          <a:p>
+            <a:r>
+              <a:rPr lang="en-US" dirty="0" smtClean="0"/>
+              <a:t>MATLAB</a:t>
+            </a:r>
+          </a:p>
+          <a:p>
+            <a:r>
+              <a:rPr lang="en-US" dirty="0" smtClean="0"/>
+              <a:t>ArcGIS</a:t>
+            </a:r>
+          </a:p>
+          <a:p>
+            <a:r>
+              <a:rPr lang="en-US" dirty="0" smtClean="0"/>
+              <a:t>Looker</a:t>
+            </a:r>
+          </a:p>
+          <a:p>
+            <a:pPr marL="0" indent="0">
+              <a:buNone/>
+            </a:pPr>
+            <a:endParaRPr lang="en-US" dirty="0" smtClean="0"/>
+          </a:p>
+        </p:txBody>
+      </p:sp>
+      <p:pic>
+        <p:nvPicPr>
+          <p:cNvPr id="5" name="Picture 4"/>
+          <p:cNvPicPr>
+            <a:picLocks noChangeAspect="1"/>
+          </p:cNvPicPr>
+          <p:nvPr/>
+        </p:nvPicPr>
+        <p:blipFill>
+          <a:blip r:embed="rId2"/>
+          <a:stretch>
+            <a:fillRect/>
+          </a:stretch>
+        </p:blipFill>
+        <p:spPr>
+          <a:xfrm>
+            <a:off x="7521406" y="1785828"/>
+            <a:ext cx="1333500" cy="277321"/>
+          </a:xfrm>
+          <a:prstGeom prst="rect">
+            <a:avLst/>
+          </a:prstGeom>
+        </p:spPr>
+      </p:pic>
+      <p:pic>
+        <p:nvPicPr>
+          <p:cNvPr id="6" name="Picture 5"/>
+          <p:cNvPicPr>
+            <a:picLocks noChangeAspect="1"/>
+          </p:cNvPicPr>
+          <p:nvPr/>
+        </p:nvPicPr>
+        <p:blipFill>
+          <a:blip r:embed="rId3"/>
+          <a:stretch>
+            <a:fillRect/>
+          </a:stretch>
+        </p:blipFill>
+        <p:spPr>
+          <a:xfrm>
+            <a:off x="6328944" y="1717936"/>
+            <a:ext cx="748290" cy="581025"/>
+          </a:xfrm>
+          <a:prstGeom prst="rect">
+            <a:avLst/>
+          </a:prstGeom>
+        </p:spPr>
+      </p:pic>
+      <p:pic>
+        <p:nvPicPr>
+          <p:cNvPr id="7" name="Picture 6"/>
+          <p:cNvPicPr>
+            <a:picLocks noChangeAspect="1"/>
+          </p:cNvPicPr>
+          <p:nvPr/>
+        </p:nvPicPr>
+        <p:blipFill>
+          <a:blip r:embed="rId4"/>
+          <a:stretch>
+            <a:fillRect/>
+          </a:stretch>
+        </p:blipFill>
+        <p:spPr>
+          <a:xfrm>
+            <a:off x="7542206" y="2496557"/>
+            <a:ext cx="1596069" cy="471478"/>
+          </a:xfrm>
+          <a:prstGeom prst="rect">
+            <a:avLst/>
+          </a:prstGeom>
+        </p:spPr>
+      </p:pic>
+      <p:pic>
+        <p:nvPicPr>
+          <p:cNvPr id="8" name="Picture 7"/>
+          <p:cNvPicPr>
+            <a:picLocks noChangeAspect="1"/>
+          </p:cNvPicPr>
+          <p:nvPr/>
+        </p:nvPicPr>
+        <p:blipFill>
+          <a:blip r:embed="rId5"/>
+          <a:stretch>
+            <a:fillRect/>
+          </a:stretch>
+        </p:blipFill>
+        <p:spPr>
+          <a:xfrm>
+            <a:off x="9359968" y="2366074"/>
+            <a:ext cx="1670271" cy="814387"/>
+          </a:xfrm>
+          <a:prstGeom prst="rect">
+            <a:avLst/>
+          </a:prstGeom>
+        </p:spPr>
+      </p:pic>
+      <p:pic>
+        <p:nvPicPr>
+          <p:cNvPr id="9" name="Picture 8"/>
+          <p:cNvPicPr>
+            <a:picLocks noChangeAspect="1"/>
+          </p:cNvPicPr>
+          <p:nvPr/>
+        </p:nvPicPr>
+        <p:blipFill>
+          <a:blip r:embed="rId6"/>
+          <a:stretch>
+            <a:fillRect/>
+          </a:stretch>
+        </p:blipFill>
+        <p:spPr>
+          <a:xfrm>
+            <a:off x="5454318" y="2455550"/>
+            <a:ext cx="1479777" cy="828675"/>
+          </a:xfrm>
+          <a:prstGeom prst="rect">
+            <a:avLst/>
+          </a:prstGeom>
+        </p:spPr>
+      </p:pic>
+      <p:pic>
+        <p:nvPicPr>
+          <p:cNvPr id="10" name="Picture 9"/>
+          <p:cNvPicPr>
+            <a:picLocks noChangeAspect="1"/>
+          </p:cNvPicPr>
+          <p:nvPr/>
+        </p:nvPicPr>
+        <p:blipFill>
+          <a:blip r:embed="rId7"/>
+          <a:stretch>
+            <a:fillRect/>
+          </a:stretch>
+        </p:blipFill>
+        <p:spPr>
+          <a:xfrm>
+            <a:off x="7660217" y="3096811"/>
+            <a:ext cx="1344811" cy="683079"/>
+          </a:xfrm>
+          <a:prstGeom prst="rect">
+            <a:avLst/>
+          </a:prstGeom>
+        </p:spPr>
+      </p:pic>
+      <p:pic>
+        <p:nvPicPr>
+          <p:cNvPr id="12" name="Picture 11"/>
+          <p:cNvPicPr>
+            <a:picLocks noChangeAspect="1"/>
+          </p:cNvPicPr>
+          <p:nvPr/>
+        </p:nvPicPr>
+        <p:blipFill>
+          <a:blip r:embed="rId8"/>
+          <a:stretch>
+            <a:fillRect/>
+          </a:stretch>
+        </p:blipFill>
+        <p:spPr>
+          <a:xfrm>
+            <a:off x="9374752" y="3390417"/>
+            <a:ext cx="1344010" cy="586725"/>
+          </a:xfrm>
+          <a:prstGeom prst="rect">
+            <a:avLst/>
+          </a:prstGeom>
+        </p:spPr>
+      </p:pic>
+      <p:pic>
+        <p:nvPicPr>
+          <p:cNvPr id="13" name="Picture 12"/>
+          <p:cNvPicPr>
+            <a:picLocks noChangeAspect="1"/>
+          </p:cNvPicPr>
+          <p:nvPr/>
+        </p:nvPicPr>
+        <p:blipFill>
+          <a:blip r:embed="rId9"/>
+          <a:stretch>
+            <a:fillRect/>
+          </a:stretch>
+        </p:blipFill>
+        <p:spPr>
+          <a:xfrm>
+            <a:off x="9031741" y="1791926"/>
+            <a:ext cx="1564629" cy="633830"/>
+          </a:xfrm>
+          <a:prstGeom prst="rect">
+            <a:avLst/>
+          </a:prstGeom>
+        </p:spPr>
+      </p:pic>
+      <p:pic>
+        <p:nvPicPr>
+          <p:cNvPr id="14" name="Picture 13"/>
+          <p:cNvPicPr>
+            <a:picLocks noChangeAspect="1"/>
+          </p:cNvPicPr>
+          <p:nvPr/>
+        </p:nvPicPr>
+        <p:blipFill>
+          <a:blip r:embed="rId10"/>
+          <a:stretch>
+            <a:fillRect/>
+          </a:stretch>
+        </p:blipFill>
+        <p:spPr>
+          <a:xfrm>
+            <a:off x="7841377" y="3908667"/>
+            <a:ext cx="2327303" cy="879912"/>
+          </a:xfrm>
+          <a:prstGeom prst="rect">
+            <a:avLst/>
+          </a:prstGeom>
+        </p:spPr>
+      </p:pic>
+      <p:pic>
+        <p:nvPicPr>
+          <p:cNvPr id="15" name="Picture 14"/>
+          <p:cNvPicPr>
+            <a:picLocks noChangeAspect="1"/>
+          </p:cNvPicPr>
+          <p:nvPr/>
+        </p:nvPicPr>
+        <p:blipFill>
+          <a:blip r:embed="rId11"/>
+          <a:stretch>
+            <a:fillRect/>
+          </a:stretch>
+        </p:blipFill>
+        <p:spPr>
+          <a:xfrm>
+            <a:off x="6726749" y="4269756"/>
+            <a:ext cx="1189706" cy="1189706"/>
+          </a:xfrm>
+          <a:prstGeom prst="rect">
+            <a:avLst/>
+          </a:prstGeom>
+        </p:spPr>
+      </p:pic>
+      <p:pic>
+        <p:nvPicPr>
+          <p:cNvPr id="16" name="Picture 15"/>
+          <p:cNvPicPr>
+            <a:picLocks noChangeAspect="1"/>
+          </p:cNvPicPr>
+          <p:nvPr/>
+        </p:nvPicPr>
+        <p:blipFill>
+          <a:blip r:embed="rId12"/>
+          <a:stretch>
+            <a:fillRect/>
+          </a:stretch>
+        </p:blipFill>
+        <p:spPr>
+          <a:xfrm>
+            <a:off x="9467216" y="4480386"/>
+            <a:ext cx="2053444" cy="540380"/>
+          </a:xfrm>
+          <a:prstGeom prst="rect">
+            <a:avLst/>
+          </a:prstGeom>
+        </p:spPr>
+      </p:pic>
+      <p:pic>
+        <p:nvPicPr>
+          <p:cNvPr id="17" name="Picture 16"/>
+          <p:cNvPicPr>
+            <a:picLocks noChangeAspect="1"/>
+          </p:cNvPicPr>
+          <p:nvPr/>
+        </p:nvPicPr>
+        <p:blipFill>
+          <a:blip r:embed="rId13"/>
+          <a:stretch>
+            <a:fillRect/>
+          </a:stretch>
+        </p:blipFill>
+        <p:spPr>
+          <a:xfrm>
+            <a:off x="5977562" y="3477957"/>
+            <a:ext cx="1280201" cy="886539"/>
+          </a:xfrm>
+          <a:prstGeom prst="rect">
+            <a:avLst/>
+          </a:prstGeom>
+        </p:spPr>
+      </p:pic>
+      <p:pic>
+        <p:nvPicPr>
+          <p:cNvPr id="18" name="Picture 17"/>
+          <p:cNvPicPr>
+            <a:picLocks noChangeAspect="1"/>
+          </p:cNvPicPr>
+          <p:nvPr/>
+        </p:nvPicPr>
+        <p:blipFill>
+          <a:blip r:embed="rId14"/>
+          <a:stretch>
+            <a:fillRect/>
+          </a:stretch>
+        </p:blipFill>
+        <p:spPr>
+          <a:xfrm>
+            <a:off x="5830718" y="5245661"/>
+            <a:ext cx="1690688" cy="724581"/>
+          </a:xfrm>
+          <a:prstGeom prst="rect">
+            <a:avLst/>
+          </a:prstGeom>
+        </p:spPr>
+      </p:pic>
+      <p:pic>
+        <p:nvPicPr>
+          <p:cNvPr id="19" name="Picture 18"/>
+          <p:cNvPicPr>
+            <a:picLocks noChangeAspect="1"/>
+          </p:cNvPicPr>
+          <p:nvPr/>
+        </p:nvPicPr>
+        <p:blipFill>
+          <a:blip r:embed="rId15"/>
+          <a:stretch>
+            <a:fillRect/>
+          </a:stretch>
+        </p:blipFill>
+        <p:spPr>
+          <a:xfrm>
+            <a:off x="7971151" y="5133498"/>
+            <a:ext cx="969113" cy="969113"/>
+          </a:xfrm>
+          <a:prstGeom prst="rect">
+            <a:avLst/>
+          </a:prstGeom>
+        </p:spPr>
+      </p:pic>
+      <p:pic>
+        <p:nvPicPr>
+          <p:cNvPr id="20" name="Picture 19"/>
+          <p:cNvPicPr>
+            <a:picLocks noChangeAspect="1"/>
+          </p:cNvPicPr>
+          <p:nvPr/>
+        </p:nvPicPr>
+        <p:blipFill>
+          <a:blip r:embed="rId16"/>
+          <a:stretch>
+            <a:fillRect/>
+          </a:stretch>
+        </p:blipFill>
+        <p:spPr>
+          <a:xfrm>
+            <a:off x="9574426" y="5184478"/>
+            <a:ext cx="1100016" cy="1223962"/>
+          </a:xfrm>
+          <a:prstGeom prst="rect">
+            <a:avLst/>
+          </a:prstGeom>
+        </p:spPr>
+      </p:pic>
+    </p:spTree>
+    <p:extLst>
+      <p:ext uri="{BB962C8B-B14F-4D97-AF65-F5344CB8AC3E}">
+        <p14:creationId xmlns:p14="http://schemas.microsoft.com/office/powerpoint/2010/main" val="2542118337"/>
+      </p:ext>
+    </p:extLst>
+  </p:cSld>
+  <p:clrMapOvr>
+    <a:masterClrMapping/>
+  </p:clrMapOvr>
+  <p:timing>
+    <p:tnLst>
+      <p:par>
+        <p:cTn id="1" dur="indefinite" restart="never" nodeType="tmRoot"/>
+      </p:par>
+    </p:tnLst>
+  </p:timing>
+</p:sld>
+</file>
+
+<file path=ppt/slides/slide14.xml><?xml version="1.0" encoding="utf-8"?>
+<p:sld xmlns:a="http://schemas.openxmlformats.org/drawingml/2006/main" xmlns:r="http://schemas.openxmlformats.org/officeDocument/2006/relationships" xmlns:p="http://schemas.openxmlformats.org/presentationml/2006/main">
+  <p:cSld>
+    <p:spTree>
+      <p:nvGrpSpPr>
+        <p:cNvPr id="1" name=""/>
+        <p:cNvGrpSpPr/>
+        <p:nvPr/>
+      </p:nvGrpSpPr>
+      <p:grpSpPr>
+        <a:xfrm>
+          <a:off x="0" y="0"/>
+          <a:ext cx="0" cy="0"/>
+          <a:chOff x="0" y="0"/>
+          <a:chExt cx="0" cy="0"/>
+        </a:xfrm>
+      </p:grpSpPr>
+      <p:sp>
+        <p:nvSpPr>
+          <p:cNvPr id="2" name="Title 1">
+            <a:extLst>
+              <a:ext uri="{FF2B5EF4-FFF2-40B4-BE49-F238E27FC236}">
+                <a16:creationId xmlns:a16="http://schemas.microsoft.com/office/drawing/2014/main" id="{73738A1F-E202-E64F-92C4-83BE4EBAB984}"/>
+              </a:ext>
+            </a:extLst>
+          </p:cNvPr>
+          <p:cNvSpPr>
+            <a:spLocks noGrp="1"/>
+          </p:cNvSpPr>
+          <p:nvPr>
+            <p:ph type="ctrTitle"/>
+          </p:nvPr>
+        </p:nvSpPr>
+        <p:spPr>
+          <a:xfrm>
+            <a:off x="344484" y="0"/>
+            <a:ext cx="6885482" cy="809469"/>
+          </a:xfrm>
+        </p:spPr>
+        <p:txBody>
+          <a:bodyPr>
+            <a:noAutofit/>
+          </a:bodyPr>
+          <a:lstStyle/>
+          <a:p>
+            <a:pPr algn="l"/>
+            <a:r>
+              <a:rPr lang="en-US" altLang="zh-CN" sz="4000" dirty="0">
+                <a:latin typeface="Arial Rounded MT Bold" panose="020F0704030504030204" pitchFamily="34" charset="77"/>
+              </a:rPr>
+              <a:t>Projects</a:t>
+            </a:r>
+            <a:endParaRPr lang="en-US" sz="4000" dirty="0">
+              <a:latin typeface="Arial Rounded MT Bold" panose="020F0704030504030204" pitchFamily="34" charset="77"/>
+            </a:endParaRPr>
+          </a:p>
+        </p:txBody>
+      </p:sp>
+      <p:pic>
+        <p:nvPicPr>
+          <p:cNvPr id="8" name="Picture 7">
+            <a:extLst>
+              <a:ext uri="{FF2B5EF4-FFF2-40B4-BE49-F238E27FC236}">
+                <a16:creationId xmlns:a16="http://schemas.microsoft.com/office/drawing/2014/main" id="{C3F5A7C7-18A9-6740-8EA2-0C5DB7A5829A}"/>
+              </a:ext>
+            </a:extLst>
+          </p:cNvPr>
+          <p:cNvPicPr>
+            <a:picLocks noChangeAspect="1"/>
+          </p:cNvPicPr>
+          <p:nvPr/>
+        </p:nvPicPr>
+        <p:blipFill rotWithShape="1">
+          <a:blip r:embed="rId2"/>
+          <a:srcRect t="14222"/>
+          <a:stretch/>
+        </p:blipFill>
+        <p:spPr>
+          <a:xfrm>
+            <a:off x="773466" y="797669"/>
+            <a:ext cx="3825991" cy="1190445"/>
+          </a:xfrm>
+          <a:prstGeom prst="rect">
+            <a:avLst/>
+          </a:prstGeom>
+        </p:spPr>
+      </p:pic>
+      <p:pic>
+        <p:nvPicPr>
+          <p:cNvPr id="9" name="Picture 8">
+            <a:extLst>
+              <a:ext uri="{FF2B5EF4-FFF2-40B4-BE49-F238E27FC236}">
+                <a16:creationId xmlns:a16="http://schemas.microsoft.com/office/drawing/2014/main" id="{076DA660-78BA-7840-B1A2-B90B5F1F99E7}"/>
+              </a:ext>
+            </a:extLst>
+          </p:cNvPr>
+          <p:cNvPicPr>
+            <a:picLocks noChangeAspect="1"/>
+          </p:cNvPicPr>
+          <p:nvPr/>
+        </p:nvPicPr>
+        <p:blipFill rotWithShape="1">
+          <a:blip r:embed="rId3"/>
+          <a:srcRect l="6654" t="4445"/>
+          <a:stretch/>
+        </p:blipFill>
+        <p:spPr>
+          <a:xfrm>
+            <a:off x="707834" y="1988114"/>
+            <a:ext cx="1899372" cy="1483743"/>
+          </a:xfrm>
+          <a:prstGeom prst="rect">
+            <a:avLst/>
+          </a:prstGeom>
+        </p:spPr>
+      </p:pic>
+      <p:pic>
+        <p:nvPicPr>
+          <p:cNvPr id="10" name="Picture 9">
+            <a:extLst>
+              <a:ext uri="{FF2B5EF4-FFF2-40B4-BE49-F238E27FC236}">
+                <a16:creationId xmlns:a16="http://schemas.microsoft.com/office/drawing/2014/main" id="{DA371C4D-29D9-734E-86C8-328FF92105DD}"/>
+              </a:ext>
+            </a:extLst>
+          </p:cNvPr>
+          <p:cNvPicPr>
+            <a:picLocks noChangeAspect="1"/>
+          </p:cNvPicPr>
+          <p:nvPr/>
+        </p:nvPicPr>
+        <p:blipFill>
+          <a:blip r:embed="rId4"/>
+          <a:stretch>
+            <a:fillRect/>
+          </a:stretch>
+        </p:blipFill>
+        <p:spPr>
+          <a:xfrm>
+            <a:off x="4651845" y="797670"/>
+            <a:ext cx="3181969" cy="1906438"/>
+          </a:xfrm>
+          <a:prstGeom prst="rect">
+            <a:avLst/>
+          </a:prstGeom>
+        </p:spPr>
+      </p:pic>
+      <p:pic>
+        <p:nvPicPr>
+          <p:cNvPr id="11" name="Picture 10">
+            <a:extLst>
+              <a:ext uri="{FF2B5EF4-FFF2-40B4-BE49-F238E27FC236}">
+                <a16:creationId xmlns:a16="http://schemas.microsoft.com/office/drawing/2014/main" id="{B799EB8D-4B3A-1946-8FA1-D60FD2A21678}"/>
+              </a:ext>
+            </a:extLst>
+          </p:cNvPr>
+          <p:cNvPicPr>
+            <a:picLocks noChangeAspect="1"/>
+          </p:cNvPicPr>
+          <p:nvPr/>
+        </p:nvPicPr>
+        <p:blipFill>
+          <a:blip r:embed="rId5"/>
+          <a:stretch>
+            <a:fillRect/>
+          </a:stretch>
+        </p:blipFill>
+        <p:spPr>
+          <a:xfrm>
+            <a:off x="7833814" y="797669"/>
+            <a:ext cx="3181970" cy="1906439"/>
+          </a:xfrm>
+          <a:prstGeom prst="rect">
+            <a:avLst/>
+          </a:prstGeom>
+        </p:spPr>
+      </p:pic>
+      <p:pic>
+        <p:nvPicPr>
+          <p:cNvPr id="12" name="Picture 11">
+            <a:extLst>
+              <a:ext uri="{FF2B5EF4-FFF2-40B4-BE49-F238E27FC236}">
+                <a16:creationId xmlns:a16="http://schemas.microsoft.com/office/drawing/2014/main" id="{274EE717-847E-1744-8652-3376C71155F7}"/>
+              </a:ext>
+            </a:extLst>
+          </p:cNvPr>
+          <p:cNvPicPr>
+            <a:picLocks noChangeAspect="1"/>
+          </p:cNvPicPr>
+          <p:nvPr/>
+        </p:nvPicPr>
+        <p:blipFill>
+          <a:blip r:embed="rId6"/>
+          <a:stretch>
+            <a:fillRect/>
+          </a:stretch>
+        </p:blipFill>
+        <p:spPr>
+          <a:xfrm>
+            <a:off x="9200635" y="2643685"/>
+            <a:ext cx="2418997" cy="3131388"/>
+          </a:xfrm>
+          <a:prstGeom prst="rect">
+            <a:avLst/>
+          </a:prstGeom>
+        </p:spPr>
+      </p:pic>
+      <p:pic>
+        <p:nvPicPr>
+          <p:cNvPr id="13" name="Picture 12">
+            <a:extLst>
+              <a:ext uri="{FF2B5EF4-FFF2-40B4-BE49-F238E27FC236}">
+                <a16:creationId xmlns:a16="http://schemas.microsoft.com/office/drawing/2014/main" id="{3447539C-9978-7F46-8F6D-940CAA80A25C}"/>
+              </a:ext>
+            </a:extLst>
+          </p:cNvPr>
+          <p:cNvPicPr>
+            <a:picLocks noChangeAspect="1"/>
+          </p:cNvPicPr>
+          <p:nvPr/>
+        </p:nvPicPr>
+        <p:blipFill>
+          <a:blip r:embed="rId7"/>
+          <a:stretch>
+            <a:fillRect/>
+          </a:stretch>
+        </p:blipFill>
+        <p:spPr>
+          <a:xfrm>
+            <a:off x="2572546" y="1909793"/>
+            <a:ext cx="2079299" cy="1371294"/>
+          </a:xfrm>
+          <a:prstGeom prst="rect">
+            <a:avLst/>
+          </a:prstGeom>
+        </p:spPr>
+      </p:pic>
+      <p:pic>
+        <p:nvPicPr>
+          <p:cNvPr id="14" name="Picture 13">
+            <a:extLst>
+              <a:ext uri="{FF2B5EF4-FFF2-40B4-BE49-F238E27FC236}">
+                <a16:creationId xmlns:a16="http://schemas.microsoft.com/office/drawing/2014/main" id="{E9F70E22-26F0-4C45-9D8A-6941C729C9CA}"/>
+              </a:ext>
+            </a:extLst>
+          </p:cNvPr>
+          <p:cNvPicPr>
+            <a:picLocks noChangeAspect="1"/>
+          </p:cNvPicPr>
+          <p:nvPr/>
+        </p:nvPicPr>
+        <p:blipFill>
+          <a:blip r:embed="rId8"/>
+          <a:stretch>
+            <a:fillRect/>
+          </a:stretch>
+        </p:blipFill>
+        <p:spPr>
+          <a:xfrm>
+            <a:off x="977270" y="3514551"/>
+            <a:ext cx="3418382" cy="1365247"/>
+          </a:xfrm>
+          <a:prstGeom prst="rect">
+            <a:avLst/>
+          </a:prstGeom>
+        </p:spPr>
+      </p:pic>
+      <p:sp>
+        <p:nvSpPr>
+          <p:cNvPr id="15" name="Rectangle 14">
+            <a:extLst>
+              <a:ext uri="{FF2B5EF4-FFF2-40B4-BE49-F238E27FC236}">
+                <a16:creationId xmlns:a16="http://schemas.microsoft.com/office/drawing/2014/main" id="{321DE902-07BA-0240-A760-9854DE83C30A}"/>
+              </a:ext>
+            </a:extLst>
+          </p:cNvPr>
+          <p:cNvSpPr/>
+          <p:nvPr/>
+        </p:nvSpPr>
+        <p:spPr>
+          <a:xfrm>
+            <a:off x="1040835" y="4814770"/>
+            <a:ext cx="3085381" cy="215444"/>
+          </a:xfrm>
+          <a:prstGeom prst="rect">
+            <a:avLst/>
+          </a:prstGeom>
+        </p:spPr>
+        <p:style>
+          <a:lnRef idx="0">
+            <a:scrgbClr r="0" g="0" b="0"/>
+          </a:lnRef>
+          <a:fillRef idx="0">
+            <a:scrgbClr r="0" g="0" b="0"/>
+          </a:fillRef>
+          <a:effectRef idx="0">
+            <a:scrgbClr r="0" g="0" b="0"/>
+          </a:effectRef>
+          <a:fontRef idx="major"/>
+        </p:style>
+        <p:txBody>
+          <a:bodyPr wrap="square">
+            <a:spAutoFit/>
+          </a:bodyPr>
+          <a:lstStyle>
+            <a:lvl1pPr>
+              <a:defRPr>
+                <a:latin typeface="+mj-lt"/>
+                <a:ea typeface="+mj-ea"/>
+                <a:cs typeface="+mj-cs"/>
+              </a:defRPr>
+            </a:lvl1pPr>
+            <a:lvl2pPr>
+              <a:defRPr>
+                <a:latin typeface="+mj-lt"/>
+                <a:ea typeface="+mj-ea"/>
+                <a:cs typeface="+mj-cs"/>
+              </a:defRPr>
+            </a:lvl2pPr>
+            <a:lvl3pPr>
+              <a:defRPr>
+                <a:latin typeface="+mj-lt"/>
+                <a:ea typeface="+mj-ea"/>
+                <a:cs typeface="+mj-cs"/>
+              </a:defRPr>
+            </a:lvl3pPr>
+            <a:lvl4pPr>
+              <a:defRPr>
+                <a:latin typeface="+mj-lt"/>
+                <a:ea typeface="+mj-ea"/>
+                <a:cs typeface="+mj-cs"/>
+              </a:defRPr>
+            </a:lvl4pPr>
+            <a:lvl5pPr>
+              <a:defRPr>
+                <a:latin typeface="+mj-lt"/>
+                <a:ea typeface="+mj-ea"/>
+                <a:cs typeface="+mj-cs"/>
+              </a:defRPr>
+            </a:lvl5pPr>
+            <a:lvl6pPr>
+              <a:defRPr>
+                <a:latin typeface="+mj-lt"/>
+                <a:ea typeface="+mj-ea"/>
+                <a:cs typeface="+mj-cs"/>
+              </a:defRPr>
+            </a:lvl6pPr>
+            <a:lvl7pPr>
+              <a:defRPr>
+                <a:latin typeface="+mj-lt"/>
+                <a:ea typeface="+mj-ea"/>
+                <a:cs typeface="+mj-cs"/>
+              </a:defRPr>
+            </a:lvl7pPr>
+            <a:lvl8pPr>
+              <a:defRPr>
+                <a:latin typeface="+mj-lt"/>
+                <a:ea typeface="+mj-ea"/>
+                <a:cs typeface="+mj-cs"/>
+              </a:defRPr>
+            </a:lvl8pPr>
+            <a:lvl9pPr>
+              <a:defRPr>
+                <a:latin typeface="+mj-lt"/>
+                <a:ea typeface="+mj-ea"/>
+                <a:cs typeface="+mj-cs"/>
+              </a:defRPr>
+            </a:lvl9pPr>
+          </a:lstStyle>
+          <a:p>
+            <a:r>
+              <a:rPr lang="en-US" sz="800" dirty="0"/>
+              <a:t>Source: http://data.library.virginia.edu/data-management/lifecycle/</a:t>
+            </a:r>
+          </a:p>
+        </p:txBody>
+      </p:sp>
+      <p:pic>
+        <p:nvPicPr>
+          <p:cNvPr id="16" name="Picture 15">
+            <a:extLst>
+              <a:ext uri="{FF2B5EF4-FFF2-40B4-BE49-F238E27FC236}">
+                <a16:creationId xmlns:a16="http://schemas.microsoft.com/office/drawing/2014/main" id="{344319C4-9900-2142-B274-F2BD3D860E81}"/>
+              </a:ext>
+            </a:extLst>
+          </p:cNvPr>
+          <p:cNvPicPr>
+            <a:picLocks noChangeAspect="1"/>
+          </p:cNvPicPr>
+          <p:nvPr/>
+        </p:nvPicPr>
+        <p:blipFill>
+          <a:blip r:embed="rId9"/>
+          <a:stretch>
+            <a:fillRect/>
+          </a:stretch>
+        </p:blipFill>
+        <p:spPr>
+          <a:xfrm>
+            <a:off x="7019057" y="5775073"/>
+            <a:ext cx="4600575" cy="819150"/>
+          </a:xfrm>
+          <a:prstGeom prst="rect">
+            <a:avLst/>
+          </a:prstGeom>
+        </p:spPr>
+      </p:pic>
+      <p:pic>
+        <p:nvPicPr>
+          <p:cNvPr id="17" name="Picture 16">
+            <a:extLst>
+              <a:ext uri="{FF2B5EF4-FFF2-40B4-BE49-F238E27FC236}">
+                <a16:creationId xmlns:a16="http://schemas.microsoft.com/office/drawing/2014/main" id="{E7441C21-B8BC-C84D-834A-6AF2C020A098}"/>
+              </a:ext>
+            </a:extLst>
+          </p:cNvPr>
+          <p:cNvPicPr>
+            <a:picLocks noChangeAspect="1"/>
+          </p:cNvPicPr>
+          <p:nvPr/>
+        </p:nvPicPr>
+        <p:blipFill>
+          <a:blip r:embed="rId10"/>
+          <a:stretch>
+            <a:fillRect/>
+          </a:stretch>
+        </p:blipFill>
+        <p:spPr>
+          <a:xfrm>
+            <a:off x="7623196" y="2747203"/>
+            <a:ext cx="1577439" cy="1574643"/>
+          </a:xfrm>
+          <a:prstGeom prst="rect">
+            <a:avLst/>
+          </a:prstGeom>
+        </p:spPr>
+      </p:pic>
+      <p:pic>
+        <p:nvPicPr>
+          <p:cNvPr id="18" name="Picture 17">
+            <a:extLst>
+              <a:ext uri="{FF2B5EF4-FFF2-40B4-BE49-F238E27FC236}">
+                <a16:creationId xmlns:a16="http://schemas.microsoft.com/office/drawing/2014/main" id="{D774A522-A78A-1446-B61B-BF34373C8B02}"/>
+              </a:ext>
+            </a:extLst>
+          </p:cNvPr>
+          <p:cNvPicPr>
+            <a:picLocks noChangeAspect="1"/>
+          </p:cNvPicPr>
+          <p:nvPr/>
+        </p:nvPicPr>
+        <p:blipFill>
+          <a:blip r:embed="rId11" cstate="print">
+            <a:extLst>
+              <a:ext uri="{28A0092B-C50C-407E-A947-70E740481C1C}">
+                <a14:useLocalDpi xmlns:a14="http://schemas.microsoft.com/office/drawing/2010/main" val="0"/>
+              </a:ext>
+            </a:extLst>
+          </a:blip>
+          <a:stretch>
+            <a:fillRect/>
+          </a:stretch>
+        </p:blipFill>
+        <p:spPr>
+          <a:xfrm>
+            <a:off x="4391430" y="4831047"/>
+            <a:ext cx="1642429" cy="1787456"/>
+          </a:xfrm>
+          <a:prstGeom prst="rect">
+            <a:avLst/>
+          </a:prstGeom>
+        </p:spPr>
+      </p:pic>
+      <p:grpSp>
+        <p:nvGrpSpPr>
+          <p:cNvPr id="3" name="Group 2"/>
+          <p:cNvGrpSpPr/>
+          <p:nvPr/>
+        </p:nvGrpSpPr>
+        <p:grpSpPr>
+          <a:xfrm>
+            <a:off x="4651845" y="2787247"/>
+            <a:ext cx="4548790" cy="2976842"/>
+            <a:chOff x="4651845" y="2787247"/>
+            <a:chExt cx="4548790" cy="2976842"/>
+          </a:xfrm>
+        </p:grpSpPr>
+        <p:pic>
+          <p:nvPicPr>
+            <p:cNvPr id="19" name="Picture 18">
+              <a:extLst>
+                <a:ext uri="{FF2B5EF4-FFF2-40B4-BE49-F238E27FC236}">
+                  <a16:creationId xmlns:a16="http://schemas.microsoft.com/office/drawing/2014/main" id="{AD86BCCE-1D6A-BD47-B5B5-5BB0F3E7CFF2}"/>
+                </a:ext>
+              </a:extLst>
+            </p:cNvPr>
+            <p:cNvPicPr>
+              <a:picLocks noChangeAspect="1"/>
+            </p:cNvPicPr>
+            <p:nvPr/>
+          </p:nvPicPr>
+          <p:blipFill>
+            <a:blip r:embed="rId12" cstate="print">
+              <a:extLst>
+                <a:ext uri="{28A0092B-C50C-407E-A947-70E740481C1C}">
+                  <a14:useLocalDpi xmlns:a14="http://schemas.microsoft.com/office/drawing/2010/main" val="0"/>
+                </a:ext>
+              </a:extLst>
+            </a:blip>
+            <a:stretch>
+              <a:fillRect/>
+            </a:stretch>
+          </p:blipFill>
+          <p:spPr>
+            <a:xfrm>
+              <a:off x="4651845" y="2787247"/>
+              <a:ext cx="2886147" cy="2220113"/>
+            </a:xfrm>
+            <a:prstGeom prst="rect">
+              <a:avLst/>
+            </a:prstGeom>
+          </p:spPr>
+        </p:pic>
+        <p:pic>
+          <p:nvPicPr>
+            <p:cNvPr id="20" name="Picture 19">
+              <a:extLst>
+                <a:ext uri="{FF2B5EF4-FFF2-40B4-BE49-F238E27FC236}">
+                  <a16:creationId xmlns:a16="http://schemas.microsoft.com/office/drawing/2014/main" id="{58ACF97D-DBE7-C14F-8E0F-297A786D8C96}"/>
+                </a:ext>
+              </a:extLst>
+            </p:cNvPr>
+            <p:cNvPicPr>
+              <a:picLocks noChangeAspect="1"/>
+            </p:cNvPicPr>
+            <p:nvPr/>
+          </p:nvPicPr>
+          <p:blipFill>
+            <a:blip r:embed="rId13" cstate="print">
+              <a:extLst>
+                <a:ext uri="{28A0092B-C50C-407E-A947-70E740481C1C}">
+                  <a14:useLocalDpi xmlns:a14="http://schemas.microsoft.com/office/drawing/2010/main" val="0"/>
+                </a:ext>
+              </a:extLst>
+            </a:blip>
+            <a:stretch>
+              <a:fillRect/>
+            </a:stretch>
+          </p:blipFill>
+          <p:spPr>
+            <a:xfrm>
+              <a:off x="7283653" y="4357983"/>
+              <a:ext cx="1916982" cy="1406106"/>
+            </a:xfrm>
+            <a:prstGeom prst="rect">
+              <a:avLst/>
+            </a:prstGeom>
+          </p:spPr>
+        </p:pic>
+      </p:grpSp>
+      <p:pic>
+        <p:nvPicPr>
+          <p:cNvPr id="21" name="Picture 20" descr="https://upload.wikimedia.org/wikipedia/commons/thumb/1/1b/R_logo.svg/1200px-R_logo.svg.png">
+            <a:extLst>
+              <a:ext uri="{FF2B5EF4-FFF2-40B4-BE49-F238E27FC236}">
+                <a16:creationId xmlns:a16="http://schemas.microsoft.com/office/drawing/2014/main" id="{DC6A82BE-93DA-0E46-872D-82198ABFA62D}"/>
+              </a:ext>
+            </a:extLst>
+          </p:cNvPr>
+          <p:cNvPicPr>
+            <a:picLocks noChangeAspect="1" noChangeArrowheads="1"/>
+          </p:cNvPicPr>
+          <p:nvPr/>
+        </p:nvPicPr>
+        <p:blipFill>
+          <a:blip r:embed="rId14" cstate="print">
+            <a:extLst>
+              <a:ext uri="{28A0092B-C50C-407E-A947-70E740481C1C}">
+                <a14:useLocalDpi xmlns:a14="http://schemas.microsoft.com/office/drawing/2010/main" val="0"/>
+              </a:ext>
+            </a:extLst>
+          </a:blip>
+          <a:srcRect/>
+          <a:stretch>
+            <a:fillRect/>
+          </a:stretch>
+        </p:blipFill>
+        <p:spPr bwMode="auto">
+          <a:xfrm>
+            <a:off x="6144495" y="4968431"/>
+            <a:ext cx="975927" cy="756344"/>
+          </a:xfrm>
+          <a:prstGeom prst="rect">
+            <a:avLst/>
+          </a:prstGeom>
+          <a:noFill/>
+          <a:extLst>
+            <a:ext uri="{909E8E84-426E-40DD-AFC4-6F175D3DCCD1}">
+              <a14:hiddenFill xmlns:a14="http://schemas.microsoft.com/office/drawing/2010/main">
                 <a:solidFill>
-                  <a:schemeClr val="tx1"/>
+                  <a:srgbClr val="FFFFFF"/>
                 </a:solidFill>
+              </a14:hiddenFill>
+            </a:ext>
+          </a:extLst>
+        </p:spPr>
+      </p:pic>
+      <p:pic>
+        <p:nvPicPr>
+          <p:cNvPr id="22" name="Picture 21" descr="https://pythonprogramming.net/static/images/finance/python-programming-language.png">
+            <a:extLst>
+              <a:ext uri="{FF2B5EF4-FFF2-40B4-BE49-F238E27FC236}">
+                <a16:creationId xmlns:a16="http://schemas.microsoft.com/office/drawing/2014/main" id="{FFEB5020-07AA-D848-9B64-304A2E83D29A}"/>
+              </a:ext>
+            </a:extLst>
+          </p:cNvPr>
+          <p:cNvPicPr>
+            <a:picLocks noChangeAspect="1" noChangeArrowheads="1"/>
+          </p:cNvPicPr>
+          <p:nvPr/>
+        </p:nvPicPr>
+        <p:blipFill rotWithShape="1">
+          <a:blip r:embed="rId15" cstate="print">
+            <a:extLst>
+              <a:ext uri="{28A0092B-C50C-407E-A947-70E740481C1C}">
+                <a14:useLocalDpi xmlns:a14="http://schemas.microsoft.com/office/drawing/2010/main" val="0"/>
+              </a:ext>
+            </a:extLst>
+          </a:blip>
+          <a:srcRect l="9823" t="10410" r="9253" b="9080"/>
+          <a:stretch/>
+        </p:blipFill>
+        <p:spPr bwMode="auto">
+          <a:xfrm>
+            <a:off x="3231509" y="5048218"/>
+            <a:ext cx="1144556" cy="1138687"/>
+          </a:xfrm>
+          <a:prstGeom prst="rect">
+            <a:avLst/>
+          </a:prstGeom>
+          <a:noFill/>
+          <a:extLst>
+            <a:ext uri="{909E8E84-426E-40DD-AFC4-6F175D3DCCD1}">
+              <a14:hiddenFill xmlns:a14="http://schemas.microsoft.com/office/drawing/2010/main">
+                <a:solidFill>
+                  <a:srgbClr val="FFFFFF"/>
+                </a:solidFill>
+              </a14:hiddenFill>
+            </a:ext>
+          </a:extLst>
+        </p:spPr>
+      </p:pic>
+      <p:pic>
+        <p:nvPicPr>
+          <p:cNvPr id="23" name="Picture 22">
+            <a:extLst>
+              <a:ext uri="{FF2B5EF4-FFF2-40B4-BE49-F238E27FC236}">
+                <a16:creationId xmlns:a16="http://schemas.microsoft.com/office/drawing/2014/main" id="{CF9C354D-2E0E-2F48-AB4B-9AF49196A8C5}"/>
+              </a:ext>
+            </a:extLst>
+          </p:cNvPr>
+          <p:cNvPicPr>
+            <a:picLocks noChangeAspect="1"/>
+          </p:cNvPicPr>
+          <p:nvPr/>
+        </p:nvPicPr>
+        <p:blipFill>
+          <a:blip r:embed="rId16" cstate="print">
+            <a:extLst>
+              <a:ext uri="{28A0092B-C50C-407E-A947-70E740481C1C}">
+                <a14:useLocalDpi xmlns:a14="http://schemas.microsoft.com/office/drawing/2010/main" val="0"/>
+              </a:ext>
+            </a:extLst>
+          </a:blip>
+          <a:stretch>
+            <a:fillRect/>
+          </a:stretch>
+        </p:blipFill>
+        <p:spPr>
+          <a:xfrm>
+            <a:off x="2015887" y="5048218"/>
+            <a:ext cx="1127596" cy="676557"/>
+          </a:xfrm>
+          <a:prstGeom prst="rect">
+            <a:avLst/>
+          </a:prstGeom>
+        </p:spPr>
+      </p:pic>
+    </p:spTree>
+    <p:extLst>
+      <p:ext uri="{BB962C8B-B14F-4D97-AF65-F5344CB8AC3E}">
+        <p14:creationId xmlns:p14="http://schemas.microsoft.com/office/powerpoint/2010/main" val="890273611"/>
+      </p:ext>
+    </p:extLst>
+  </p:cSld>
+  <p:clrMapOvr>
+    <a:masterClrMapping/>
+  </p:clrMapOvr>
+  <p:timing>
+    <p:tnLst>
+      <p:par>
+        <p:cTn id="1" dur="indefinite" restart="never" nodeType="tmRoot">
+          <p:childTnLst>
+            <p:seq concurrent="1" nextAc="seek">
+              <p:cTn id="2" dur="indefinite" nodeType="mainSeq">
+                <p:childTnLst>
+                  <p:par>
+                    <p:cTn id="3" fill="hold">
+                      <p:stCondLst>
+                        <p:cond delay="indefinite"/>
+                      </p:stCondLst>
+                      <p:childTnLst>
+                        <p:par>
+                          <p:cTn id="4" fill="hold">
+                            <p:stCondLst>
+                              <p:cond delay="0"/>
+                            </p:stCondLst>
+                            <p:childTnLst>
+                              <p:par>
+                                <p:cTn id="5" presetID="1" presetClass="entr" presetSubtype="0" fill="hold" nodeType="clickEffect">
+                                  <p:stCondLst>
+                                    <p:cond delay="0"/>
+                                  </p:stCondLst>
+                                  <p:childTnLst>
+                                    <p:set>
+                                      <p:cBhvr>
+                                        <p:cTn id="6" dur="1" fill="hold">
+                                          <p:stCondLst>
+                                            <p:cond delay="0"/>
+                                          </p:stCondLst>
+                                        </p:cTn>
+                                        <p:tgtEl>
+                                          <p:spTgt spid="8"/>
+                                        </p:tgtEl>
+                                        <p:attrNameLst>
+                                          <p:attrName>style.visibility</p:attrName>
+                                        </p:attrNameLst>
+                                      </p:cBhvr>
+                                      <p:to>
+                                        <p:strVal val="visible"/>
+                                      </p:to>
+                                    </p:set>
+                                  </p:childTnLst>
+                                </p:cTn>
+                              </p:par>
+                              <p:par>
+                                <p:cTn id="7" presetID="1" presetClass="entr" presetSubtype="0" fill="hold" nodeType="withEffect">
+                                  <p:stCondLst>
+                                    <p:cond delay="0"/>
+                                  </p:stCondLst>
+                                  <p:childTnLst>
+                                    <p:set>
+                                      <p:cBhvr>
+                                        <p:cTn id="8" dur="1" fill="hold">
+                                          <p:stCondLst>
+                                            <p:cond delay="0"/>
+                                          </p:stCondLst>
+                                        </p:cTn>
+                                        <p:tgtEl>
+                                          <p:spTgt spid="9"/>
+                                        </p:tgtEl>
+                                        <p:attrNameLst>
+                                          <p:attrName>style.visibility</p:attrName>
+                                        </p:attrNameLst>
+                                      </p:cBhvr>
+                                      <p:to>
+                                        <p:strVal val="visible"/>
+                                      </p:to>
+                                    </p:set>
+                                  </p:childTnLst>
+                                </p:cTn>
+                              </p:par>
+                              <p:par>
+                                <p:cTn id="9" presetID="1" presetClass="entr" presetSubtype="0" fill="hold" nodeType="withEffect">
+                                  <p:stCondLst>
+                                    <p:cond delay="0"/>
+                                  </p:stCondLst>
+                                  <p:childTnLst>
+                                    <p:set>
+                                      <p:cBhvr>
+                                        <p:cTn id="10" dur="1" fill="hold">
+                                          <p:stCondLst>
+                                            <p:cond delay="0"/>
+                                          </p:stCondLst>
+                                        </p:cTn>
+                                        <p:tgtEl>
+                                          <p:spTgt spid="13"/>
+                                        </p:tgtEl>
+                                        <p:attrNameLst>
+                                          <p:attrName>style.visibility</p:attrName>
+                                        </p:attrNameLst>
+                                      </p:cBhvr>
+                                      <p:to>
+                                        <p:strVal val="visible"/>
+                                      </p:to>
+                                    </p:set>
+                                  </p:childTnLst>
+                                </p:cTn>
+                              </p:par>
+                            </p:childTnLst>
+                          </p:cTn>
+                        </p:par>
+                      </p:childTnLst>
+                    </p:cTn>
+                  </p:par>
+                  <p:par>
+                    <p:cTn id="11" fill="hold">
+                      <p:stCondLst>
+                        <p:cond delay="indefinite"/>
+                      </p:stCondLst>
+                      <p:childTnLst>
+                        <p:par>
+                          <p:cTn id="12" fill="hold">
+                            <p:stCondLst>
+                              <p:cond delay="0"/>
+                            </p:stCondLst>
+                            <p:childTnLst>
+                              <p:par>
+                                <p:cTn id="13" presetID="1" presetClass="entr" presetSubtype="0" fill="hold" nodeType="clickEffect">
+                                  <p:stCondLst>
+                                    <p:cond delay="0"/>
+                                  </p:stCondLst>
+                                  <p:childTnLst>
+                                    <p:set>
+                                      <p:cBhvr>
+                                        <p:cTn id="14" dur="1" fill="hold">
+                                          <p:stCondLst>
+                                            <p:cond delay="0"/>
+                                          </p:stCondLst>
+                                        </p:cTn>
+                                        <p:tgtEl>
+                                          <p:spTgt spid="10"/>
+                                        </p:tgtEl>
+                                        <p:attrNameLst>
+                                          <p:attrName>style.visibility</p:attrName>
+                                        </p:attrNameLst>
+                                      </p:cBhvr>
+                                      <p:to>
+                                        <p:strVal val="visible"/>
+                                      </p:to>
+                                    </p:set>
+                                  </p:childTnLst>
+                                </p:cTn>
+                              </p:par>
+                              <p:par>
+                                <p:cTn id="15" presetID="1" presetClass="entr" presetSubtype="0" fill="hold" nodeType="withEffect">
+                                  <p:stCondLst>
+                                    <p:cond delay="0"/>
+                                  </p:stCondLst>
+                                  <p:childTnLst>
+                                    <p:set>
+                                      <p:cBhvr>
+                                        <p:cTn id="16" dur="1" fill="hold">
+                                          <p:stCondLst>
+                                            <p:cond delay="0"/>
+                                          </p:stCondLst>
+                                        </p:cTn>
+                                        <p:tgtEl>
+                                          <p:spTgt spid="11"/>
+                                        </p:tgtEl>
+                                        <p:attrNameLst>
+                                          <p:attrName>style.visibility</p:attrName>
+                                        </p:attrNameLst>
+                                      </p:cBhvr>
+                                      <p:to>
+                                        <p:strVal val="visible"/>
+                                      </p:to>
+                                    </p:set>
+                                  </p:childTnLst>
+                                </p:cTn>
+                              </p:par>
+                            </p:childTnLst>
+                          </p:cTn>
+                        </p:par>
+                      </p:childTnLst>
+                    </p:cTn>
+                  </p:par>
+                  <p:par>
+                    <p:cTn id="17" fill="hold">
+                      <p:stCondLst>
+                        <p:cond delay="indefinite"/>
+                      </p:stCondLst>
+                      <p:childTnLst>
+                        <p:par>
+                          <p:cTn id="18" fill="hold">
+                            <p:stCondLst>
+                              <p:cond delay="0"/>
+                            </p:stCondLst>
+                            <p:childTnLst>
+                              <p:par>
+                                <p:cTn id="19" presetID="1" presetClass="entr" presetSubtype="0" fill="hold" nodeType="clickEffect">
+                                  <p:stCondLst>
+                                    <p:cond delay="0"/>
+                                  </p:stCondLst>
+                                  <p:childTnLst>
+                                    <p:set>
+                                      <p:cBhvr>
+                                        <p:cTn id="20" dur="1" fill="hold">
+                                          <p:stCondLst>
+                                            <p:cond delay="0"/>
+                                          </p:stCondLst>
+                                        </p:cTn>
+                                        <p:tgtEl>
+                                          <p:spTgt spid="12"/>
+                                        </p:tgtEl>
+                                        <p:attrNameLst>
+                                          <p:attrName>style.visibility</p:attrName>
+                                        </p:attrNameLst>
+                                      </p:cBhvr>
+                                      <p:to>
+                                        <p:strVal val="visible"/>
+                                      </p:to>
+                                    </p:set>
+                                  </p:childTnLst>
+                                </p:cTn>
+                              </p:par>
+                              <p:par>
+                                <p:cTn id="21" presetID="1" presetClass="entr" presetSubtype="0" fill="hold" nodeType="withEffect">
+                                  <p:stCondLst>
+                                    <p:cond delay="0"/>
+                                  </p:stCondLst>
+                                  <p:childTnLst>
+                                    <p:set>
+                                      <p:cBhvr>
+                                        <p:cTn id="22" dur="1" fill="hold">
+                                          <p:stCondLst>
+                                            <p:cond delay="0"/>
+                                          </p:stCondLst>
+                                        </p:cTn>
+                                        <p:tgtEl>
+                                          <p:spTgt spid="18"/>
+                                        </p:tgtEl>
+                                        <p:attrNameLst>
+                                          <p:attrName>style.visibility</p:attrName>
+                                        </p:attrNameLst>
+                                      </p:cBhvr>
+                                      <p:to>
+                                        <p:strVal val="visible"/>
+                                      </p:to>
+                                    </p:set>
+                                  </p:childTnLst>
+                                </p:cTn>
+                              </p:par>
+                            </p:childTnLst>
+                          </p:cTn>
+                        </p:par>
+                      </p:childTnLst>
+                    </p:cTn>
+                  </p:par>
+                  <p:par>
+                    <p:cTn id="23" fill="hold">
+                      <p:stCondLst>
+                        <p:cond delay="indefinite"/>
+                      </p:stCondLst>
+                      <p:childTnLst>
+                        <p:par>
+                          <p:cTn id="24" fill="hold">
+                            <p:stCondLst>
+                              <p:cond delay="0"/>
+                            </p:stCondLst>
+                            <p:childTnLst>
+                              <p:par>
+                                <p:cTn id="25" presetID="1" presetClass="entr" presetSubtype="0" fill="hold" nodeType="clickEffect">
+                                  <p:stCondLst>
+                                    <p:cond delay="0"/>
+                                  </p:stCondLst>
+                                  <p:childTnLst>
+                                    <p:set>
+                                      <p:cBhvr>
+                                        <p:cTn id="26" dur="1" fill="hold">
+                                          <p:stCondLst>
+                                            <p:cond delay="0"/>
+                                          </p:stCondLst>
+                                        </p:cTn>
+                                        <p:tgtEl>
+                                          <p:spTgt spid="3"/>
+                                        </p:tgtEl>
+                                        <p:attrNameLst>
+                                          <p:attrName>style.visibility</p:attrName>
+                                        </p:attrNameLst>
+                                      </p:cBhvr>
+                                      <p:to>
+                                        <p:strVal val="visible"/>
+                                      </p:to>
+                                    </p:set>
+                                  </p:childTnLst>
+                                </p:cTn>
+                              </p:par>
+                            </p:childTnLst>
+                          </p:cTn>
+                        </p:par>
+                      </p:childTnLst>
+                    </p:cTn>
+                  </p:par>
+                  <p:par>
+                    <p:cTn id="27" fill="hold">
+                      <p:stCondLst>
+                        <p:cond delay="indefinite"/>
+                      </p:stCondLst>
+                      <p:childTnLst>
+                        <p:par>
+                          <p:cTn id="28" fill="hold">
+                            <p:stCondLst>
+                              <p:cond delay="0"/>
+                            </p:stCondLst>
+                            <p:childTnLst>
+                              <p:par>
+                                <p:cTn id="29" presetID="1" presetClass="entr" presetSubtype="0" fill="hold" nodeType="clickEffect">
+                                  <p:stCondLst>
+                                    <p:cond delay="0"/>
+                                  </p:stCondLst>
+                                  <p:childTnLst>
+                                    <p:set>
+                                      <p:cBhvr>
+                                        <p:cTn id="30" dur="1" fill="hold">
+                                          <p:stCondLst>
+                                            <p:cond delay="0"/>
+                                          </p:stCondLst>
+                                        </p:cTn>
+                                        <p:tgtEl>
+                                          <p:spTgt spid="14"/>
+                                        </p:tgtEl>
+                                        <p:attrNameLst>
+                                          <p:attrName>style.visibility</p:attrName>
+                                        </p:attrNameLst>
+                                      </p:cBhvr>
+                                      <p:to>
+                                        <p:strVal val="visible"/>
+                                      </p:to>
+                                    </p:set>
+                                  </p:childTnLst>
+                                </p:cTn>
+                              </p:par>
+                              <p:par>
+                                <p:cTn id="31" presetID="1" presetClass="entr" presetSubtype="0" fill="hold" grpId="0" nodeType="withEffect">
+                                  <p:stCondLst>
+                                    <p:cond delay="0"/>
+                                  </p:stCondLst>
+                                  <p:childTnLst>
+                                    <p:set>
+                                      <p:cBhvr>
+                                        <p:cTn id="32" dur="1" fill="hold">
+                                          <p:stCondLst>
+                                            <p:cond delay="0"/>
+                                          </p:stCondLst>
+                                        </p:cTn>
+                                        <p:tgtEl>
+                                          <p:spTgt spid="15"/>
+                                        </p:tgtEl>
+                                        <p:attrNameLst>
+                                          <p:attrName>style.visibility</p:attrName>
+                                        </p:attrNameLst>
+                                      </p:cBhvr>
+                                      <p:to>
+                                        <p:strVal val="visible"/>
+                                      </p:to>
+                                    </p:set>
+                                  </p:childTnLst>
+                                </p:cTn>
+                              </p:par>
+                              <p:par>
+                                <p:cTn id="33" presetID="1" presetClass="entr" presetSubtype="0" fill="hold" nodeType="withEffect">
+                                  <p:stCondLst>
+                                    <p:cond delay="0"/>
+                                  </p:stCondLst>
+                                  <p:childTnLst>
+                                    <p:set>
+                                      <p:cBhvr>
+                                        <p:cTn id="34" dur="1" fill="hold">
+                                          <p:stCondLst>
+                                            <p:cond delay="0"/>
+                                          </p:stCondLst>
+                                        </p:cTn>
+                                        <p:tgtEl>
+                                          <p:spTgt spid="23"/>
+                                        </p:tgtEl>
+                                        <p:attrNameLst>
+                                          <p:attrName>style.visibility</p:attrName>
+                                        </p:attrNameLst>
+                                      </p:cBhvr>
+                                      <p:to>
+                                        <p:strVal val="visible"/>
+                                      </p:to>
+                                    </p:set>
+                                  </p:childTnLst>
+                                </p:cTn>
+                              </p:par>
+                              <p:par>
+                                <p:cTn id="35" presetID="1" presetClass="entr" presetSubtype="0" fill="hold" nodeType="withEffect">
+                                  <p:stCondLst>
+                                    <p:cond delay="0"/>
+                                  </p:stCondLst>
+                                  <p:childTnLst>
+                                    <p:set>
+                                      <p:cBhvr>
+                                        <p:cTn id="36" dur="1" fill="hold">
+                                          <p:stCondLst>
+                                            <p:cond delay="0"/>
+                                          </p:stCondLst>
+                                        </p:cTn>
+                                        <p:tgtEl>
+                                          <p:spTgt spid="22"/>
+                                        </p:tgtEl>
+                                        <p:attrNameLst>
+                                          <p:attrName>style.visibility</p:attrName>
+                                        </p:attrNameLst>
+                                      </p:cBhvr>
+                                      <p:to>
+                                        <p:strVal val="visible"/>
+                                      </p:to>
+                                    </p:set>
+                                  </p:childTnLst>
+                                </p:cTn>
+                              </p:par>
+                              <p:par>
+                                <p:cTn id="37" presetID="1" presetClass="entr" presetSubtype="0" fill="hold" nodeType="withEffect">
+                                  <p:stCondLst>
+                                    <p:cond delay="0"/>
+                                  </p:stCondLst>
+                                  <p:childTnLst>
+                                    <p:set>
+                                      <p:cBhvr>
+                                        <p:cTn id="38" dur="1" fill="hold">
+                                          <p:stCondLst>
+                                            <p:cond delay="0"/>
+                                          </p:stCondLst>
+                                        </p:cTn>
+                                        <p:tgtEl>
+                                          <p:spTgt spid="21"/>
+                                        </p:tgtEl>
+                                        <p:attrNameLst>
+                                          <p:attrName>style.visibility</p:attrName>
+                                        </p:attrNameLst>
+                                      </p:cBhvr>
+                                      <p:to>
+                                        <p:strVal val="visible"/>
+                                      </p:to>
+                                    </p:set>
+                                  </p:childTnLst>
+                                </p:cTn>
+                              </p:par>
+                              <p:par>
+                                <p:cTn id="39" presetID="1" presetClass="entr" presetSubtype="0" fill="hold" nodeType="withEffect">
+                                  <p:stCondLst>
+                                    <p:cond delay="0"/>
+                                  </p:stCondLst>
+                                  <p:childTnLst>
+                                    <p:set>
+                                      <p:cBhvr>
+                                        <p:cTn id="40" dur="1" fill="hold">
+                                          <p:stCondLst>
+                                            <p:cond delay="0"/>
+                                          </p:stCondLst>
+                                        </p:cTn>
+                                        <p:tgtEl>
+                                          <p:spTgt spid="17"/>
+                                        </p:tgtEl>
+                                        <p:attrNameLst>
+                                          <p:attrName>style.visibility</p:attrName>
+                                        </p:attrNameLst>
+                                      </p:cBhvr>
+                                      <p:to>
+                                        <p:strVal val="visible"/>
+                                      </p:to>
+                                    </p:set>
+                                  </p:childTnLst>
+                                </p:cTn>
+                              </p:par>
+                              <p:par>
+                                <p:cTn id="41" presetID="1" presetClass="entr" presetSubtype="0" fill="hold" nodeType="withEffect">
+                                  <p:stCondLst>
+                                    <p:cond delay="0"/>
+                                  </p:stCondLst>
+                                  <p:childTnLst>
+                                    <p:set>
+                                      <p:cBhvr>
+                                        <p:cTn id="42" dur="1" fill="hold">
+                                          <p:stCondLst>
+                                            <p:cond delay="0"/>
+                                          </p:stCondLst>
+                                        </p:cTn>
+                                        <p:tgtEl>
+                                          <p:spTgt spid="16"/>
+                                        </p:tgtEl>
+                                        <p:attrNameLst>
+                                          <p:attrName>style.visibility</p:attrName>
+                                        </p:attrNameLst>
+                                      </p:cBhvr>
+                                      <p:to>
+                                        <p:strVal val="visible"/>
+                                      </p:to>
+                                    </p:set>
+                                  </p:childTnLst>
+                                </p:cTn>
+                              </p:par>
+                            </p:childTnLst>
+                          </p:cTn>
+                        </p:par>
+                      </p:childTnLst>
+                    </p:cTn>
+                  </p:par>
+                </p:childTnLst>
+              </p:cTn>
+              <p:prevCondLst>
+                <p:cond evt="onPrev" delay="0">
+                  <p:tgtEl>
+                    <p:sldTgt/>
+                  </p:tgtEl>
+                </p:cond>
+              </p:prevCondLst>
+              <p:nextCondLst>
+                <p:cond evt="onNext" delay="0">
+                  <p:tgtEl>
+                    <p:sldTgt/>
+                  </p:tgtEl>
+                </p:cond>
+              </p:nextCondLst>
+            </p:seq>
+          </p:childTnLst>
+        </p:cTn>
+      </p:par>
+    </p:tnLst>
+    <p:bldLst>
+      <p:bldP spid="15" grpId="0"/>
+    </p:bldLst>
+  </p:timing>
+</p:sld>
+</file>
+
+<file path=ppt/slides/slide15.xml><?xml version="1.0" encoding="utf-8"?>
+<p:sld xmlns:a="http://schemas.openxmlformats.org/drawingml/2006/main" xmlns:r="http://schemas.openxmlformats.org/officeDocument/2006/relationships" xmlns:p="http://schemas.openxmlformats.org/presentationml/2006/main">
+  <p:cSld>
+    <p:spTree>
+      <p:nvGrpSpPr>
+        <p:cNvPr id="1" name=""/>
+        <p:cNvGrpSpPr/>
+        <p:nvPr/>
+      </p:nvGrpSpPr>
+      <p:grpSpPr>
+        <a:xfrm>
+          <a:off x="0" y="0"/>
+          <a:ext cx="0" cy="0"/>
+          <a:chOff x="0" y="0"/>
+          <a:chExt cx="0" cy="0"/>
+        </a:xfrm>
+      </p:grpSpPr>
+      <p:sp>
+        <p:nvSpPr>
+          <p:cNvPr id="4" name="TextBox 1">
+            <a:extLst>
+              <a:ext uri="{FF2B5EF4-FFF2-40B4-BE49-F238E27FC236}">
+                <a16:creationId xmlns:a16="http://schemas.microsoft.com/office/drawing/2014/main" id="{194D8BE0-4B62-084C-978E-51EA0E896C62}"/>
+              </a:ext>
+            </a:extLst>
+          </p:cNvPr>
+          <p:cNvSpPr txBox="1"/>
+          <p:nvPr/>
+        </p:nvSpPr>
+        <p:spPr>
+          <a:xfrm>
+            <a:off x="3882137" y="0"/>
+            <a:ext cx="8301508" cy="1508105"/>
+          </a:xfrm>
+          <a:prstGeom prst="rect">
+            <a:avLst/>
+          </a:prstGeom>
+          <a:noFill/>
+        </p:spPr>
+        <p:style>
+          <a:lnRef idx="0">
+            <a:scrgbClr r="0" g="0" b="0"/>
+          </a:lnRef>
+          <a:fillRef idx="0">
+            <a:scrgbClr r="0" g="0" b="0"/>
+          </a:fillRef>
+          <a:effectRef idx="0">
+            <a:scrgbClr r="0" g="0" b="0"/>
+          </a:effectRef>
+          <a:fontRef idx="major"/>
+        </p:style>
+        <p:txBody>
+          <a:bodyPr wrap="square" rtlCol="0">
+            <a:spAutoFit/>
+          </a:bodyPr>
+          <a:lstStyle>
+            <a:lvl1pPr>
+              <a:defRPr>
+                <a:latin typeface="+mj-lt"/>
+                <a:ea typeface="+mj-ea"/>
+                <a:cs typeface="+mj-cs"/>
+              </a:defRPr>
+            </a:lvl1pPr>
+            <a:lvl2pPr>
+              <a:defRPr>
+                <a:latin typeface="+mj-lt"/>
+                <a:ea typeface="+mj-ea"/>
+                <a:cs typeface="+mj-cs"/>
+              </a:defRPr>
+            </a:lvl2pPr>
+            <a:lvl3pPr>
+              <a:defRPr>
+                <a:latin typeface="+mj-lt"/>
+                <a:ea typeface="+mj-ea"/>
+                <a:cs typeface="+mj-cs"/>
+              </a:defRPr>
+            </a:lvl3pPr>
+            <a:lvl4pPr>
+              <a:defRPr>
+                <a:latin typeface="+mj-lt"/>
+                <a:ea typeface="+mj-ea"/>
+                <a:cs typeface="+mj-cs"/>
+              </a:defRPr>
+            </a:lvl4pPr>
+            <a:lvl5pPr>
+              <a:defRPr>
+                <a:latin typeface="+mj-lt"/>
+                <a:ea typeface="+mj-ea"/>
+                <a:cs typeface="+mj-cs"/>
+              </a:defRPr>
+            </a:lvl5pPr>
+            <a:lvl6pPr>
+              <a:defRPr>
+                <a:latin typeface="+mj-lt"/>
+                <a:ea typeface="+mj-ea"/>
+                <a:cs typeface="+mj-cs"/>
+              </a:defRPr>
+            </a:lvl6pPr>
+            <a:lvl7pPr>
+              <a:defRPr>
+                <a:latin typeface="+mj-lt"/>
+                <a:ea typeface="+mj-ea"/>
+                <a:cs typeface="+mj-cs"/>
+              </a:defRPr>
+            </a:lvl7pPr>
+            <a:lvl8pPr>
+              <a:defRPr>
+                <a:latin typeface="+mj-lt"/>
+                <a:ea typeface="+mj-ea"/>
+                <a:cs typeface="+mj-cs"/>
+              </a:defRPr>
+            </a:lvl8pPr>
+            <a:lvl9pPr>
+              <a:defRPr>
+                <a:latin typeface="+mj-lt"/>
+                <a:ea typeface="+mj-ea"/>
+                <a:cs typeface="+mj-cs"/>
+              </a:defRPr>
+            </a:lvl9pPr>
+          </a:lstStyle>
+          <a:p>
+            <a:r>
+              <a:rPr lang="en-US" sz="4000" b="1" dirty="0">
+                <a:latin typeface="+mn-lt"/>
               </a:rPr>
-              <a:t>: </a:t>
-            </a:r>
-            <a:r>
-              <a:rPr lang="en-US" sz="2800" dirty="0" smtClean="0">
-                <a:solidFill>
-                  <a:schemeClr val="tx1"/>
-                </a:solidFill>
+              <a:t>How to Contact Us:</a:t>
+            </a:r>
+          </a:p>
+          <a:p>
+            <a:pPr lvl="2"/>
+            <a:endParaRPr lang="en-US" sz="2600" dirty="0">
+              <a:latin typeface="+mn-lt"/>
+            </a:endParaRPr>
+          </a:p>
+          <a:p>
+            <a:pPr lvl="1"/>
+            <a:endParaRPr lang="en-US" sz="2600" dirty="0">
+              <a:latin typeface="+mn-lt"/>
+            </a:endParaRPr>
+          </a:p>
+        </p:txBody>
+      </p:sp>
+      <p:sp>
+        <p:nvSpPr>
+          <p:cNvPr id="5" name="TextBox 2">
+            <a:extLst>
+              <a:ext uri="{FF2B5EF4-FFF2-40B4-BE49-F238E27FC236}">
+                <a16:creationId xmlns:a16="http://schemas.microsoft.com/office/drawing/2014/main" id="{FD2D2C2C-8B0A-6542-8A85-E56776C896BA}"/>
+              </a:ext>
+            </a:extLst>
+          </p:cNvPr>
+          <p:cNvSpPr txBox="1"/>
+          <p:nvPr/>
+        </p:nvSpPr>
+        <p:spPr>
+          <a:xfrm>
+            <a:off x="3140259" y="4879665"/>
+            <a:ext cx="8813065" cy="1600438"/>
+          </a:xfrm>
+          <a:prstGeom prst="rect">
+            <a:avLst/>
+          </a:prstGeom>
+          <a:noFill/>
+        </p:spPr>
+        <p:style>
+          <a:lnRef idx="0">
+            <a:scrgbClr r="0" g="0" b="0"/>
+          </a:lnRef>
+          <a:fillRef idx="0">
+            <a:scrgbClr r="0" g="0" b="0"/>
+          </a:fillRef>
+          <a:effectRef idx="0">
+            <a:scrgbClr r="0" g="0" b="0"/>
+          </a:effectRef>
+          <a:fontRef idx="major"/>
+        </p:style>
+        <p:txBody>
+          <a:bodyPr wrap="square" rtlCol="0">
+            <a:spAutoFit/>
+          </a:bodyPr>
+          <a:lstStyle>
+            <a:lvl1pPr>
+              <a:defRPr>
+                <a:latin typeface="+mj-lt"/>
+                <a:ea typeface="+mj-ea"/>
+                <a:cs typeface="+mj-cs"/>
+              </a:defRPr>
+            </a:lvl1pPr>
+            <a:lvl2pPr>
+              <a:defRPr>
+                <a:latin typeface="+mj-lt"/>
+                <a:ea typeface="+mj-ea"/>
+                <a:cs typeface="+mj-cs"/>
+              </a:defRPr>
+            </a:lvl2pPr>
+            <a:lvl3pPr>
+              <a:defRPr>
+                <a:latin typeface="+mj-lt"/>
+                <a:ea typeface="+mj-ea"/>
+                <a:cs typeface="+mj-cs"/>
+              </a:defRPr>
+            </a:lvl3pPr>
+            <a:lvl4pPr>
+              <a:defRPr>
+                <a:latin typeface="+mj-lt"/>
+                <a:ea typeface="+mj-ea"/>
+                <a:cs typeface="+mj-cs"/>
+              </a:defRPr>
+            </a:lvl4pPr>
+            <a:lvl5pPr>
+              <a:defRPr>
+                <a:latin typeface="+mj-lt"/>
+                <a:ea typeface="+mj-ea"/>
+                <a:cs typeface="+mj-cs"/>
+              </a:defRPr>
+            </a:lvl5pPr>
+            <a:lvl6pPr>
+              <a:defRPr>
+                <a:latin typeface="+mj-lt"/>
+                <a:ea typeface="+mj-ea"/>
+                <a:cs typeface="+mj-cs"/>
+              </a:defRPr>
+            </a:lvl6pPr>
+            <a:lvl7pPr>
+              <a:defRPr>
+                <a:latin typeface="+mj-lt"/>
+                <a:ea typeface="+mj-ea"/>
+                <a:cs typeface="+mj-cs"/>
+              </a:defRPr>
+            </a:lvl7pPr>
+            <a:lvl8pPr>
+              <a:defRPr>
+                <a:latin typeface="+mj-lt"/>
+                <a:ea typeface="+mj-ea"/>
+                <a:cs typeface="+mj-cs"/>
+              </a:defRPr>
+            </a:lvl8pPr>
+            <a:lvl9pPr>
+              <a:defRPr>
+                <a:latin typeface="+mj-lt"/>
+                <a:ea typeface="+mj-ea"/>
+                <a:cs typeface="+mj-cs"/>
+              </a:defRPr>
+            </a:lvl9pPr>
+          </a:lstStyle>
+          <a:p>
+            <a:r>
+              <a:rPr lang="en-US" sz="2400" b="1" dirty="0">
+                <a:latin typeface="+mn-lt"/>
+              </a:rPr>
+              <a:t>Email: </a:t>
+            </a:r>
+            <a:r>
+              <a:rPr lang="en-US" sz="2400" dirty="0">
+                <a:latin typeface="+mn-lt"/>
                 <a:hlinkClick r:id="rId2"/>
               </a:rPr>
               <a:t>AskData@uc.edu</a:t>
             </a:r>
-            <a:endParaRPr lang="en-US" sz="2800" dirty="0">
-              <a:solidFill>
-                <a:schemeClr val="tx1"/>
-              </a:solidFill>
+            <a:endParaRPr lang="en-US" sz="2400" dirty="0">
+              <a:latin typeface="+mn-lt"/>
             </a:endParaRPr>
           </a:p>
           <a:p>
-            <a:pPr algn="l"/>
-            <a:r>
-              <a:rPr lang="en-US" sz="2800" b="1" dirty="0" smtClean="0">
-                <a:solidFill>
-                  <a:schemeClr val="tx1"/>
-                </a:solidFill>
+            <a:r>
+              <a:rPr lang="en-US" sz="2400" b="1" dirty="0">
+                <a:latin typeface="+mn-lt"/>
               </a:rPr>
-              <a:t>Web</a:t>
-            </a:r>
-            <a:r>
-              <a:rPr lang="en-US" sz="2800" b="1" dirty="0">
-                <a:solidFill>
-                  <a:schemeClr val="tx1"/>
-                </a:solidFill>
-              </a:rPr>
-              <a:t>:</a:t>
-            </a:r>
-            <a:r>
-              <a:rPr lang="en-US" sz="2800" dirty="0">
-                <a:solidFill>
-                  <a:schemeClr val="tx1"/>
-                </a:solidFill>
+              <a:t>Web:</a:t>
+            </a:r>
+            <a:r>
+              <a:rPr lang="en-US" sz="2400" dirty="0">
+                <a:latin typeface="+mn-lt"/>
               </a:rPr>
               <a:t> </a:t>
             </a:r>
             <a:r>
-              <a:rPr lang="en-US" sz="2800" dirty="0">
-                <a:solidFill>
-                  <a:schemeClr val="tx1"/>
-                </a:solidFill>
+              <a:rPr lang="en-US" sz="2400" dirty="0">
+                <a:latin typeface="+mn-lt"/>
                 <a:hlinkClick r:id="rId3"/>
               </a:rPr>
-              <a:t>https://</a:t>
-            </a:r>
-            <a:r>
-              <a:rPr lang="en-US" sz="2800" dirty="0" smtClean="0">
+              <a:t>https://libraries.uc.edu/digital-scholarship/data-services.html</a:t>
+            </a:r>
+            <a:endParaRPr lang="en-US" sz="2400" dirty="0">
+              <a:latin typeface="+mn-lt"/>
+              <a:cs typeface="Calibri"/>
+              <a:hlinkClick r:id="rId3"/>
+            </a:endParaRPr>
+          </a:p>
+          <a:p>
+            <a:r>
+              <a:rPr lang="en-US" sz="2400" b="1" dirty="0">
+                <a:latin typeface="+mn-lt"/>
+              </a:rPr>
+              <a:t>Visit: </a:t>
+            </a:r>
+            <a:r>
+              <a:rPr lang="en-US" sz="2400" dirty="0">
+                <a:latin typeface="+mn-lt"/>
+              </a:rPr>
+              <a:t>240 Braunstein Hall (Geology-Math-Physics Library</a:t>
+            </a:r>
+            <a:r>
+              <a:rPr lang="en-US" altLang="zh-CN" sz="2400" dirty="0">
+                <a:latin typeface="+mn-lt"/>
+              </a:rPr>
+              <a:t>)</a:t>
+            </a:r>
+            <a:endParaRPr lang="en-US" sz="2600" dirty="0">
+              <a:latin typeface="+mn-lt"/>
+            </a:endParaRPr>
+          </a:p>
+          <a:p>
+            <a:pPr lvl="1"/>
+            <a:endParaRPr lang="en-US" sz="2600" dirty="0">
+              <a:latin typeface="+mn-lt"/>
+            </a:endParaRPr>
+          </a:p>
+        </p:txBody>
+      </p:sp>
+      <p:pic>
+        <p:nvPicPr>
+          <p:cNvPr id="6" name="Picture 5">
+            <a:extLst>
+              <a:ext uri="{FF2B5EF4-FFF2-40B4-BE49-F238E27FC236}">
+                <a16:creationId xmlns:a16="http://schemas.microsoft.com/office/drawing/2014/main" id="{C1E1A450-1CCF-0A42-8522-74C614CA3E7E}"/>
+              </a:ext>
+            </a:extLst>
+          </p:cNvPr>
+          <p:cNvPicPr>
+            <a:picLocks noChangeAspect="1"/>
+          </p:cNvPicPr>
+          <p:nvPr/>
+        </p:nvPicPr>
+        <p:blipFill rotWithShape="1">
+          <a:blip r:embed="rId4"/>
+          <a:srcRect l="6181" r="6597"/>
+          <a:stretch/>
+        </p:blipFill>
+        <p:spPr>
+          <a:xfrm>
+            <a:off x="3621320" y="792876"/>
+            <a:ext cx="2053087" cy="2007391"/>
+          </a:xfrm>
+          <a:prstGeom prst="rect">
+            <a:avLst/>
+          </a:prstGeom>
+        </p:spPr>
+      </p:pic>
+      <p:sp>
+        <p:nvSpPr>
+          <p:cNvPr id="7" name="Rectangle 6">
+            <a:extLst>
+              <a:ext uri="{FF2B5EF4-FFF2-40B4-BE49-F238E27FC236}">
+                <a16:creationId xmlns:a16="http://schemas.microsoft.com/office/drawing/2014/main" id="{EDF0F3C6-5B45-7549-9193-0C680C049A3A}"/>
+              </a:ext>
+            </a:extLst>
+          </p:cNvPr>
+          <p:cNvSpPr/>
+          <p:nvPr/>
+        </p:nvSpPr>
+        <p:spPr>
+          <a:xfrm>
+            <a:off x="3156075" y="2918182"/>
+            <a:ext cx="4731939" cy="1200329"/>
+          </a:xfrm>
+          <a:prstGeom prst="rect">
+            <a:avLst/>
+          </a:prstGeom>
+        </p:spPr>
+        <p:style>
+          <a:lnRef idx="0">
+            <a:scrgbClr r="0" g="0" b="0"/>
+          </a:lnRef>
+          <a:fillRef idx="0">
+            <a:scrgbClr r="0" g="0" b="0"/>
+          </a:fillRef>
+          <a:effectRef idx="0">
+            <a:scrgbClr r="0" g="0" b="0"/>
+          </a:effectRef>
+          <a:fontRef idx="major"/>
+        </p:style>
+        <p:txBody>
+          <a:bodyPr wrap="square">
+            <a:spAutoFit/>
+          </a:bodyPr>
+          <a:lstStyle>
+            <a:lvl1pPr>
+              <a:defRPr>
+                <a:latin typeface="+mj-lt"/>
+                <a:ea typeface="+mj-ea"/>
+                <a:cs typeface="+mj-cs"/>
+              </a:defRPr>
+            </a:lvl1pPr>
+            <a:lvl2pPr>
+              <a:defRPr>
+                <a:latin typeface="+mj-lt"/>
+                <a:ea typeface="+mj-ea"/>
+                <a:cs typeface="+mj-cs"/>
+              </a:defRPr>
+            </a:lvl2pPr>
+            <a:lvl3pPr>
+              <a:defRPr>
+                <a:latin typeface="+mj-lt"/>
+                <a:ea typeface="+mj-ea"/>
+                <a:cs typeface="+mj-cs"/>
+              </a:defRPr>
+            </a:lvl3pPr>
+            <a:lvl4pPr>
+              <a:defRPr>
+                <a:latin typeface="+mj-lt"/>
+                <a:ea typeface="+mj-ea"/>
+                <a:cs typeface="+mj-cs"/>
+              </a:defRPr>
+            </a:lvl4pPr>
+            <a:lvl5pPr>
+              <a:defRPr>
+                <a:latin typeface="+mj-lt"/>
+                <a:ea typeface="+mj-ea"/>
+                <a:cs typeface="+mj-cs"/>
+              </a:defRPr>
+            </a:lvl5pPr>
+            <a:lvl6pPr>
+              <a:defRPr>
+                <a:latin typeface="+mj-lt"/>
+                <a:ea typeface="+mj-ea"/>
+                <a:cs typeface="+mj-cs"/>
+              </a:defRPr>
+            </a:lvl6pPr>
+            <a:lvl7pPr>
+              <a:defRPr>
+                <a:latin typeface="+mj-lt"/>
+                <a:ea typeface="+mj-ea"/>
+                <a:cs typeface="+mj-cs"/>
+              </a:defRPr>
+            </a:lvl7pPr>
+            <a:lvl8pPr>
+              <a:defRPr>
+                <a:latin typeface="+mj-lt"/>
+                <a:ea typeface="+mj-ea"/>
+                <a:cs typeface="+mj-cs"/>
+              </a:defRPr>
+            </a:lvl8pPr>
+            <a:lvl9pPr>
+              <a:defRPr>
+                <a:latin typeface="+mj-lt"/>
+                <a:ea typeface="+mj-ea"/>
+                <a:cs typeface="+mj-cs"/>
+              </a:defRPr>
+            </a:lvl9pPr>
+          </a:lstStyle>
+          <a:p>
+            <a:r>
+              <a:rPr lang="en-US" b="1" dirty="0">
                 <a:solidFill>
-                  <a:schemeClr val="tx1"/>
+                  <a:srgbClr val="C00000"/>
                 </a:solidFill>
-                <a:hlinkClick r:id="rId3"/>
+                <a:latin typeface="+mn-lt"/>
+                <a:cs typeface="Calibri"/>
               </a:rPr>
-              <a:t>libraries.uc.edu/digital-scholarship/data-services.html</a:t>
-            </a:r>
-            <a:endParaRPr lang="en-US" sz="2800" dirty="0" smtClean="0">
-              <a:solidFill>
-                <a:schemeClr val="tx1"/>
-              </a:solidFill>
-            </a:endParaRPr>
-          </a:p>
-          <a:p>
-            <a:pPr algn="l"/>
-            <a:r>
-              <a:rPr lang="en-US" sz="2800" b="1" dirty="0" smtClean="0">
-                <a:solidFill>
-                  <a:schemeClr val="tx1"/>
-                </a:solidFill>
+              <a:t>Viz Lab Manager: </a:t>
+            </a:r>
+          </a:p>
+          <a:p>
+            <a:r>
+              <a:rPr lang="en-US" dirty="0">
+                <a:latin typeface="+mn-lt"/>
+                <a:cs typeface="Calibri"/>
               </a:rPr>
+              <a:t>Richard Johansen, Data Visualization </a:t>
+            </a:r>
+            <a:r>
+              <a:rPr lang="en-US" dirty="0" smtClean="0">
+                <a:latin typeface="+mn-lt"/>
+                <a:cs typeface="Calibri"/>
+              </a:rPr>
+              <a:t>Specialist</a:t>
+            </a:r>
+          </a:p>
+          <a:p>
+            <a:r>
+              <a:rPr lang="en-US" b="1" dirty="0"/>
               <a:t>GitHub</a:t>
             </a:r>
             <a:r>
-              <a:rPr lang="en-US" sz="2800" dirty="0" smtClean="0">
-                <a:solidFill>
-                  <a:schemeClr val="tx1"/>
-                </a:solidFill>
-              </a:rPr>
-              <a:t>:</a:t>
-            </a:r>
-            <a:r>
-              <a:rPr lang="en-US" sz="2800" dirty="0">
-                <a:solidFill>
-                  <a:schemeClr val="tx1"/>
-                </a:solidFill>
-              </a:rPr>
-              <a:t> </a:t>
-            </a:r>
-            <a:r>
-              <a:rPr lang="en-US" sz="2800" dirty="0">
-                <a:solidFill>
-                  <a:schemeClr val="tx1"/>
-                </a:solidFill>
-                <a:hlinkClick r:id="rId4"/>
+              <a:rPr lang="en-US" dirty="0"/>
+              <a:t>: </a:t>
+            </a:r>
+            <a:r>
+              <a:rPr lang="en-US" dirty="0">
+                <a:hlinkClick r:id="rId5"/>
               </a:rPr>
               <a:t>https://github.com/RAJohansen</a:t>
             </a:r>
             <a:r>
-              <a:rPr lang="en-US" sz="2800" dirty="0" smtClean="0">
-                <a:solidFill>
-                  <a:schemeClr val="tx1"/>
-                </a:solidFill>
-                <a:hlinkClick r:id="rId4"/>
+              <a:rPr lang="en-US" dirty="0" smtClean="0">
+                <a:hlinkClick r:id="rId5"/>
               </a:rPr>
               <a:t>/</a:t>
             </a:r>
-            <a:r>
-              <a:rPr lang="en-US" sz="2800" dirty="0" smtClean="0">
+            <a:endParaRPr lang="en-US" dirty="0" smtClean="0"/>
+          </a:p>
+          <a:p>
+            <a:r>
+              <a:rPr lang="en-US" b="1" dirty="0"/>
+              <a:t>Twitter: @</a:t>
+            </a:r>
+            <a:r>
+              <a:rPr lang="en-US" b="1" dirty="0" err="1" smtClean="0"/>
+              <a:t>DataVizJohansen</a:t>
+            </a:r>
+            <a:endParaRPr lang="en-US" b="1" dirty="0"/>
+          </a:p>
+        </p:txBody>
+      </p:sp>
+      <p:sp>
+        <p:nvSpPr>
+          <p:cNvPr id="8" name="Rectangle 7">
+            <a:extLst>
+              <a:ext uri="{FF2B5EF4-FFF2-40B4-BE49-F238E27FC236}">
+                <a16:creationId xmlns:a16="http://schemas.microsoft.com/office/drawing/2014/main" id="{B389D77A-66B5-234E-B643-EF60A770E2F3}"/>
+              </a:ext>
+            </a:extLst>
+          </p:cNvPr>
+          <p:cNvSpPr/>
+          <p:nvPr/>
+        </p:nvSpPr>
+        <p:spPr>
+          <a:xfrm>
+            <a:off x="8026032" y="2891554"/>
+            <a:ext cx="4158640" cy="646331"/>
+          </a:xfrm>
+          <a:prstGeom prst="rect">
+            <a:avLst/>
+          </a:prstGeom>
+        </p:spPr>
+        <p:style>
+          <a:lnRef idx="0">
+            <a:scrgbClr r="0" g="0" b="0"/>
+          </a:lnRef>
+          <a:fillRef idx="0">
+            <a:scrgbClr r="0" g="0" b="0"/>
+          </a:fillRef>
+          <a:effectRef idx="0">
+            <a:scrgbClr r="0" g="0" b="0"/>
+          </a:effectRef>
+          <a:fontRef idx="major"/>
+        </p:style>
+        <p:txBody>
+          <a:bodyPr wrap="square">
+            <a:spAutoFit/>
+          </a:bodyPr>
+          <a:lstStyle>
+            <a:lvl1pPr>
+              <a:defRPr>
+                <a:latin typeface="+mj-lt"/>
+                <a:ea typeface="+mj-ea"/>
+                <a:cs typeface="+mj-cs"/>
+              </a:defRPr>
+            </a:lvl1pPr>
+            <a:lvl2pPr>
+              <a:defRPr>
+                <a:latin typeface="+mj-lt"/>
+                <a:ea typeface="+mj-ea"/>
+                <a:cs typeface="+mj-cs"/>
+              </a:defRPr>
+            </a:lvl2pPr>
+            <a:lvl3pPr>
+              <a:defRPr>
+                <a:latin typeface="+mj-lt"/>
+                <a:ea typeface="+mj-ea"/>
+                <a:cs typeface="+mj-cs"/>
+              </a:defRPr>
+            </a:lvl3pPr>
+            <a:lvl4pPr>
+              <a:defRPr>
+                <a:latin typeface="+mj-lt"/>
+                <a:ea typeface="+mj-ea"/>
+                <a:cs typeface="+mj-cs"/>
+              </a:defRPr>
+            </a:lvl4pPr>
+            <a:lvl5pPr>
+              <a:defRPr>
+                <a:latin typeface="+mj-lt"/>
+                <a:ea typeface="+mj-ea"/>
+                <a:cs typeface="+mj-cs"/>
+              </a:defRPr>
+            </a:lvl5pPr>
+            <a:lvl6pPr>
+              <a:defRPr>
+                <a:latin typeface="+mj-lt"/>
+                <a:ea typeface="+mj-ea"/>
+                <a:cs typeface="+mj-cs"/>
+              </a:defRPr>
+            </a:lvl6pPr>
+            <a:lvl7pPr>
+              <a:defRPr>
+                <a:latin typeface="+mj-lt"/>
+                <a:ea typeface="+mj-ea"/>
+                <a:cs typeface="+mj-cs"/>
+              </a:defRPr>
+            </a:lvl7pPr>
+            <a:lvl8pPr>
+              <a:defRPr>
+                <a:latin typeface="+mj-lt"/>
+                <a:ea typeface="+mj-ea"/>
+                <a:cs typeface="+mj-cs"/>
+              </a:defRPr>
+            </a:lvl8pPr>
+            <a:lvl9pPr>
+              <a:defRPr>
+                <a:latin typeface="+mj-lt"/>
+                <a:ea typeface="+mj-ea"/>
+                <a:cs typeface="+mj-cs"/>
+              </a:defRPr>
+            </a:lvl9pPr>
+          </a:lstStyle>
+          <a:p>
+            <a:r>
+              <a:rPr lang="en-US" b="1" dirty="0">
                 <a:solidFill>
-                  <a:schemeClr val="tx1"/>
+                  <a:srgbClr val="C00000"/>
                 </a:solidFill>
+                <a:latin typeface="+mn-lt"/>
+                <a:cs typeface="Calibri"/>
               </a:rPr>
-              <a:t> </a:t>
-            </a:r>
-          </a:p>
-          <a:p>
-            <a:pPr algn="l"/>
-            <a:r>
-              <a:rPr lang="en-US" sz="2800" b="1" dirty="0" smtClean="0">
-                <a:solidFill>
-                  <a:schemeClr val="tx1"/>
-                </a:solidFill>
+              <a:t>Data &amp; GIS Collab Manager:</a:t>
+            </a:r>
+            <a:r>
+              <a:rPr lang="en-US" dirty="0">
+                <a:latin typeface="+mn-lt"/>
+                <a:cs typeface="Calibri"/>
               </a:rPr>
-              <a:t>Visit: </a:t>
-            </a:r>
-            <a:r>
-              <a:rPr lang="en-US" sz="2800" dirty="0" smtClean="0">
-                <a:solidFill>
-                  <a:schemeClr val="tx1"/>
-                </a:solidFill>
+              <a:t> </a:t>
+            </a:r>
+            <a:r>
+              <a:rPr lang="en-US" b="1" dirty="0">
+                <a:latin typeface="+mn-lt"/>
+                <a:cs typeface="Calibri"/>
               </a:rPr>
-              <a:t>240 </a:t>
-            </a:r>
-            <a:r>
-              <a:rPr lang="en-US" sz="2800" dirty="0" err="1">
-                <a:solidFill>
-                  <a:schemeClr val="tx1"/>
-                </a:solidFill>
+              <a:t> </a:t>
+            </a:r>
+          </a:p>
+          <a:p>
+            <a:r>
+              <a:rPr lang="en-US" dirty="0">
+                <a:latin typeface="+mn-lt"/>
+                <a:cs typeface="Calibri"/>
               </a:rPr>
-              <a:t>Braunstein</a:t>
-            </a:r>
-            <a:r>
-              <a:rPr lang="en-US" sz="2800" dirty="0">
-                <a:solidFill>
-                  <a:schemeClr val="tx1"/>
-                </a:solidFill>
-              </a:rPr>
-              <a:t> Hall (Geology-Math-Physics </a:t>
-            </a:r>
-            <a:r>
-              <a:rPr lang="en-US" sz="2800" dirty="0" smtClean="0">
-                <a:solidFill>
-                  <a:schemeClr val="tx1"/>
-                </a:solidFill>
-              </a:rPr>
-              <a:t>Library)</a:t>
-            </a:r>
-          </a:p>
-          <a:p>
-            <a:pPr algn="l"/>
-            <a:r>
-              <a:rPr lang="en-US" sz="2800" b="1" dirty="0" smtClean="0">
-                <a:solidFill>
-                  <a:schemeClr val="tx1"/>
-                </a:solidFill>
-              </a:rPr>
-              <a:t>Consultations</a:t>
-            </a:r>
-            <a:r>
-              <a:rPr lang="en-US" sz="2800" dirty="0" smtClean="0">
-                <a:solidFill>
-                  <a:schemeClr val="tx1"/>
-                </a:solidFill>
-              </a:rPr>
-              <a:t>: walk-ins during open consultation hours or appointment by email</a:t>
-            </a:r>
-          </a:p>
-          <a:p>
-            <a:pPr algn="l"/>
-            <a:r>
-              <a:rPr lang="en-US" sz="2800" b="1" dirty="0" smtClean="0">
-                <a:solidFill>
-                  <a:schemeClr val="tx1"/>
-                </a:solidFill>
-              </a:rPr>
-              <a:t>Twitter</a:t>
-            </a:r>
-            <a:r>
-              <a:rPr lang="en-US" sz="2800" b="1" dirty="0">
-                <a:solidFill>
-                  <a:schemeClr val="tx1"/>
-                </a:solidFill>
-              </a:rPr>
-              <a:t>: @</a:t>
-            </a:r>
-            <a:r>
-              <a:rPr lang="en-US" sz="2800" b="1" dirty="0" err="1">
-                <a:solidFill>
-                  <a:schemeClr val="tx1"/>
-                </a:solidFill>
-              </a:rPr>
-              <a:t>DataVizJohansen</a:t>
-            </a:r>
-            <a:endParaRPr lang="en-US" sz="2800" b="1" dirty="0">
-              <a:solidFill>
-                <a:schemeClr val="tx1"/>
-              </a:solidFill>
-            </a:endParaRPr>
-          </a:p>
-          <a:p>
-            <a:pPr algn="l"/>
-            <a:endParaRPr lang="en-US" sz="2800" dirty="0" smtClean="0">
-              <a:solidFill>
-                <a:schemeClr val="tx1"/>
-              </a:solidFill>
-            </a:endParaRPr>
-          </a:p>
-        </p:txBody>
-      </p:sp>
+              <a:t>Amy Koshoffer,  Science Informationist</a:t>
+            </a:r>
+          </a:p>
+        </p:txBody>
+      </p:sp>
+      <p:pic>
+        <p:nvPicPr>
+          <p:cNvPr id="9" name="Picture 8">
+            <a:extLst>
+              <a:ext uri="{FF2B5EF4-FFF2-40B4-BE49-F238E27FC236}">
+                <a16:creationId xmlns:a16="http://schemas.microsoft.com/office/drawing/2014/main" id="{CBB6D272-BDA1-D145-9258-F23CAF92EC59}"/>
+              </a:ext>
+            </a:extLst>
+          </p:cNvPr>
+          <p:cNvPicPr>
+            <a:picLocks noChangeAspect="1"/>
+          </p:cNvPicPr>
+          <p:nvPr/>
+        </p:nvPicPr>
+        <p:blipFill>
+          <a:blip r:embed="rId6"/>
+          <a:stretch>
+            <a:fillRect/>
+          </a:stretch>
+        </p:blipFill>
+        <p:spPr>
+          <a:xfrm>
+            <a:off x="8836908" y="797256"/>
+            <a:ext cx="2017414" cy="2017414"/>
+          </a:xfrm>
+          <a:prstGeom prst="rect">
+            <a:avLst/>
+          </a:prstGeom>
+        </p:spPr>
+      </p:pic>
     </p:spTree>
     <p:extLst>
       <p:ext uri="{BB962C8B-B14F-4D97-AF65-F5344CB8AC3E}">
-        <p14:creationId xmlns:p14="http://schemas.microsoft.com/office/powerpoint/2010/main" val="2003795966"/>
+        <p14:creationId xmlns:p14="http://schemas.microsoft.com/office/powerpoint/2010/main" val="1784239328"/>
       </p:ext>
     </p:extLst>
   </p:cSld>
